--- a/section1/챕터1 강의 PPT.pptx
+++ b/section1/챕터1 강의 PPT.pptx
@@ -21,29 +21,35 @@
     <p:sldId id="280" r:id="rId15"/>
     <p:sldId id="281" r:id="rId16"/>
     <p:sldId id="282" r:id="rId17"/>
+    <p:sldId id="283" r:id="rId18"/>
+    <p:sldId id="284" r:id="rId19"/>
   </p:sldIdLst>
   <p:sldSz cx="12192000" cy="6858000"/>
   <p:notesSz cx="6858000" cy="9144000"/>
   <p:embeddedFontLst>
     <p:embeddedFont>
-      <p:font typeface="Yoon 윤고딕 540_TT" panose="02090603020101020101" pitchFamily="18" charset="-127"/>
-      <p:regular r:id="rId18"/>
+      <p:font typeface="맑은 고딕" panose="020B0503020000020004" pitchFamily="50" charset="-127"/>
+      <p:regular r:id="rId20"/>
+      <p:bold r:id="rId21"/>
     </p:embeddedFont>
     <p:embeddedFont>
-      <p:font typeface="맑은 고딕" panose="020B0503020000020004" pitchFamily="50" charset="-127"/>
-      <p:regular r:id="rId19"/>
-      <p:bold r:id="rId20"/>
+      <p:font typeface="SpoqaHanSans-Regular" panose="020B0500000000000000" pitchFamily="50" charset="-127"/>
+      <p:regular r:id="rId22"/>
+    </p:embeddedFont>
+    <p:embeddedFont>
+      <p:font typeface="Yoon 윤고딕 530_TT" panose="020B0600000101010101" charset="-127"/>
+      <p:regular r:id="rId23"/>
+    </p:embeddedFont>
+    <p:embeddedFont>
+      <p:font typeface="Yoon 윤고딕 540_TT" panose="020B0600000101010101" charset="-127"/>
+      <p:regular r:id="rId24"/>
     </p:embeddedFont>
     <p:embeddedFont>
       <p:font typeface="Calibri" panose="020F0502020204030204" pitchFamily="34" charset="0"/>
-      <p:regular r:id="rId21"/>
-      <p:bold r:id="rId22"/>
-      <p:italic r:id="rId23"/>
-      <p:boldItalic r:id="rId24"/>
-    </p:embeddedFont>
-    <p:embeddedFont>
-      <p:font typeface="Yoon 윤고딕 530_TT" panose="02090603020101020101" pitchFamily="18" charset="-127"/>
       <p:regular r:id="rId25"/>
+      <p:bold r:id="rId26"/>
+      <p:italic r:id="rId27"/>
+      <p:boldItalic r:id="rId28"/>
     </p:embeddedFont>
   </p:embeddedFontLst>
   <p:defaultTextStyle>
@@ -1774,6 +1780,1314 @@
       <dsp:cNvGrpSpPr/>
     </dsp:nvGrpSpPr>
     <dsp:grpSpPr/>
+    <dsp:sp modelId="{051A1044-7FAA-4770-8986-840366C21F92}">
+      <dsp:nvSpPr>
+        <dsp:cNvPr id="0" name=""/>
+        <dsp:cNvSpPr/>
+      </dsp:nvSpPr>
+      <dsp:spPr>
+        <a:xfrm>
+          <a:off x="1642864" y="487551"/>
+          <a:ext cx="346670" cy="91440"/>
+        </a:xfrm>
+        <a:custGeom>
+          <a:avLst/>
+          <a:gdLst/>
+          <a:ahLst/>
+          <a:cxnLst/>
+          <a:rect l="0" t="0" r="0" b="0"/>
+          <a:pathLst>
+            <a:path>
+              <a:moveTo>
+                <a:pt x="0" y="45720"/>
+              </a:moveTo>
+              <a:lnTo>
+                <a:pt x="346670" y="45720"/>
+              </a:lnTo>
+            </a:path>
+          </a:pathLst>
+        </a:custGeom>
+        <a:noFill/>
+        <a:ln w="6350" cap="flat" cmpd="sng" algn="ctr">
+          <a:solidFill>
+            <a:schemeClr val="accent1">
+              <a:hueOff val="0"/>
+              <a:satOff val="0"/>
+              <a:lumOff val="0"/>
+              <a:alphaOff val="0"/>
+            </a:schemeClr>
+          </a:solidFill>
+          <a:prstDash val="solid"/>
+          <a:miter lim="800000"/>
+          <a:tailEnd type="arrow"/>
+        </a:ln>
+        <a:effectLst/>
+      </dsp:spPr>
+      <dsp:style>
+        <a:lnRef idx="1">
+          <a:scrgbClr r="0" g="0" b="0"/>
+        </a:lnRef>
+        <a:fillRef idx="0">
+          <a:scrgbClr r="0" g="0" b="0"/>
+        </a:fillRef>
+        <a:effectRef idx="0">
+          <a:scrgbClr r="0" g="0" b="0"/>
+        </a:effectRef>
+        <a:fontRef idx="minor"/>
+      </dsp:style>
+      <dsp:txBody>
+        <a:bodyPr spcFirstLastPara="0" vert="horz" wrap="square" lIns="12700" tIns="0" rIns="12700" bIns="0" numCol="1" spcCol="1270" anchor="ctr" anchorCtr="0">
+          <a:noAutofit/>
+        </a:bodyPr>
+        <a:lstStyle/>
+        <a:p>
+          <a:pPr lvl="0" algn="ctr" defTabSz="711200" latinLnBrk="1">
+            <a:lnSpc>
+              <a:spcPct val="90000"/>
+            </a:lnSpc>
+            <a:spcBef>
+              <a:spcPct val="0"/>
+            </a:spcBef>
+            <a:spcAft>
+              <a:spcPct val="35000"/>
+            </a:spcAft>
+          </a:pPr>
+          <a:endParaRPr lang="ko-KR" altLang="en-US" sz="1600" kern="1200">
+            <a:latin typeface="Yoon 윤고딕 530_TT" panose="02090603020101020101" pitchFamily="18" charset="-127"/>
+            <a:ea typeface="Yoon 윤고딕 530_TT" panose="02090603020101020101" pitchFamily="18" charset="-127"/>
+          </a:endParaRPr>
+        </a:p>
+      </dsp:txBody>
+      <dsp:txXfrm>
+        <a:off x="1806768" y="531384"/>
+        <a:ext cx="18863" cy="3772"/>
+      </dsp:txXfrm>
+    </dsp:sp>
+    <dsp:sp modelId="{46B13DFC-E755-41F9-B704-CCB28F525235}">
+      <dsp:nvSpPr>
+        <dsp:cNvPr id="0" name=""/>
+        <dsp:cNvSpPr/>
+      </dsp:nvSpPr>
+      <dsp:spPr>
+        <a:xfrm>
+          <a:off x="4357" y="41178"/>
+          <a:ext cx="1640307" cy="984184"/>
+        </a:xfrm>
+        <a:prstGeom prst="rect">
+          <a:avLst/>
+        </a:prstGeom>
+        <a:solidFill>
+          <a:schemeClr val="accent1">
+            <a:hueOff val="0"/>
+            <a:satOff val="0"/>
+            <a:lumOff val="0"/>
+            <a:alphaOff val="0"/>
+          </a:schemeClr>
+        </a:solidFill>
+        <a:ln w="12700" cap="flat" cmpd="sng" algn="ctr">
+          <a:solidFill>
+            <a:schemeClr val="lt1">
+              <a:hueOff val="0"/>
+              <a:satOff val="0"/>
+              <a:lumOff val="0"/>
+              <a:alphaOff val="0"/>
+            </a:schemeClr>
+          </a:solidFill>
+          <a:prstDash val="solid"/>
+          <a:miter lim="800000"/>
+        </a:ln>
+        <a:effectLst/>
+      </dsp:spPr>
+      <dsp:style>
+        <a:lnRef idx="2">
+          <a:scrgbClr r="0" g="0" b="0"/>
+        </a:lnRef>
+        <a:fillRef idx="1">
+          <a:scrgbClr r="0" g="0" b="0"/>
+        </a:fillRef>
+        <a:effectRef idx="0">
+          <a:scrgbClr r="0" g="0" b="0"/>
+        </a:effectRef>
+        <a:fontRef idx="minor">
+          <a:schemeClr val="lt1"/>
+        </a:fontRef>
+      </dsp:style>
+      <dsp:txBody>
+        <a:bodyPr spcFirstLastPara="0" vert="horz" wrap="square" lIns="113792" tIns="113792" rIns="113792" bIns="113792" numCol="1" spcCol="1270" anchor="ctr" anchorCtr="0">
+          <a:noAutofit/>
+        </a:bodyPr>
+        <a:lstStyle/>
+        <a:p>
+          <a:pPr lvl="0" algn="ctr" defTabSz="711200" latinLnBrk="1">
+            <a:lnSpc>
+              <a:spcPct val="90000"/>
+            </a:lnSpc>
+            <a:spcBef>
+              <a:spcPct val="0"/>
+            </a:spcBef>
+            <a:spcAft>
+              <a:spcPct val="35000"/>
+            </a:spcAft>
+          </a:pPr>
+          <a:r>
+            <a:rPr lang="en-US" altLang="ko-KR" sz="1600" kern="1200" dirty="0" smtClean="0">
+              <a:latin typeface="Yoon 윤고딕 530_TT" panose="02090603020101020101" pitchFamily="18" charset="-127"/>
+              <a:ea typeface="Yoon 윤고딕 530_TT" panose="02090603020101020101" pitchFamily="18" charset="-127"/>
+            </a:rPr>
+            <a:t>1. </a:t>
+          </a:r>
+          <a:r>
+            <a:rPr lang="ko-KR" altLang="en-US" sz="1600" kern="1200" dirty="0" smtClean="0">
+              <a:latin typeface="Yoon 윤고딕 530_TT" panose="02090603020101020101" pitchFamily="18" charset="-127"/>
+              <a:ea typeface="Yoon 윤고딕 530_TT" panose="02090603020101020101" pitchFamily="18" charset="-127"/>
+            </a:rPr>
+            <a:t>데이터 수집</a:t>
+          </a:r>
+          <a:endParaRPr lang="ko-KR" altLang="en-US" sz="1600" kern="1200" dirty="0">
+            <a:latin typeface="Yoon 윤고딕 530_TT" panose="02090603020101020101" pitchFamily="18" charset="-127"/>
+            <a:ea typeface="Yoon 윤고딕 530_TT" panose="02090603020101020101" pitchFamily="18" charset="-127"/>
+          </a:endParaRPr>
+        </a:p>
+      </dsp:txBody>
+      <dsp:txXfrm>
+        <a:off x="4357" y="41178"/>
+        <a:ext cx="1640307" cy="984184"/>
+      </dsp:txXfrm>
+    </dsp:sp>
+    <dsp:sp modelId="{5DDD7999-8EA2-4726-8164-929E9789B3F9}">
+      <dsp:nvSpPr>
+        <dsp:cNvPr id="0" name=""/>
+        <dsp:cNvSpPr/>
+      </dsp:nvSpPr>
+      <dsp:spPr>
+        <a:xfrm>
+          <a:off x="3660442" y="487551"/>
+          <a:ext cx="346670" cy="91440"/>
+        </a:xfrm>
+        <a:custGeom>
+          <a:avLst/>
+          <a:gdLst/>
+          <a:ahLst/>
+          <a:cxnLst/>
+          <a:rect l="0" t="0" r="0" b="0"/>
+          <a:pathLst>
+            <a:path>
+              <a:moveTo>
+                <a:pt x="0" y="45720"/>
+              </a:moveTo>
+              <a:lnTo>
+                <a:pt x="346670" y="45720"/>
+              </a:lnTo>
+            </a:path>
+          </a:pathLst>
+        </a:custGeom>
+        <a:noFill/>
+        <a:ln w="6350" cap="flat" cmpd="sng" algn="ctr">
+          <a:solidFill>
+            <a:schemeClr val="accent1">
+              <a:hueOff val="0"/>
+              <a:satOff val="0"/>
+              <a:lumOff val="0"/>
+              <a:alphaOff val="0"/>
+            </a:schemeClr>
+          </a:solidFill>
+          <a:prstDash val="solid"/>
+          <a:miter lim="800000"/>
+          <a:tailEnd type="arrow"/>
+        </a:ln>
+        <a:effectLst/>
+      </dsp:spPr>
+      <dsp:style>
+        <a:lnRef idx="1">
+          <a:scrgbClr r="0" g="0" b="0"/>
+        </a:lnRef>
+        <a:fillRef idx="0">
+          <a:scrgbClr r="0" g="0" b="0"/>
+        </a:fillRef>
+        <a:effectRef idx="0">
+          <a:scrgbClr r="0" g="0" b="0"/>
+        </a:effectRef>
+        <a:fontRef idx="minor"/>
+      </dsp:style>
+      <dsp:txBody>
+        <a:bodyPr spcFirstLastPara="0" vert="horz" wrap="square" lIns="12700" tIns="0" rIns="12700" bIns="0" numCol="1" spcCol="1270" anchor="ctr" anchorCtr="0">
+          <a:noAutofit/>
+        </a:bodyPr>
+        <a:lstStyle/>
+        <a:p>
+          <a:pPr lvl="0" algn="ctr" defTabSz="711200" latinLnBrk="1">
+            <a:lnSpc>
+              <a:spcPct val="90000"/>
+            </a:lnSpc>
+            <a:spcBef>
+              <a:spcPct val="0"/>
+            </a:spcBef>
+            <a:spcAft>
+              <a:spcPct val="35000"/>
+            </a:spcAft>
+          </a:pPr>
+          <a:endParaRPr lang="ko-KR" altLang="en-US" sz="1600" kern="1200">
+            <a:latin typeface="Yoon 윤고딕 530_TT" panose="02090603020101020101" pitchFamily="18" charset="-127"/>
+            <a:ea typeface="Yoon 윤고딕 530_TT" panose="02090603020101020101" pitchFamily="18" charset="-127"/>
+          </a:endParaRPr>
+        </a:p>
+      </dsp:txBody>
+      <dsp:txXfrm>
+        <a:off x="3824346" y="531384"/>
+        <a:ext cx="18863" cy="3772"/>
+      </dsp:txXfrm>
+    </dsp:sp>
+    <dsp:sp modelId="{6F7CFCA3-A4BF-43A4-8E97-D01882849DB1}">
+      <dsp:nvSpPr>
+        <dsp:cNvPr id="0" name=""/>
+        <dsp:cNvSpPr/>
+      </dsp:nvSpPr>
+      <dsp:spPr>
+        <a:xfrm>
+          <a:off x="2021935" y="41178"/>
+          <a:ext cx="1640307" cy="984184"/>
+        </a:xfrm>
+        <a:prstGeom prst="rect">
+          <a:avLst/>
+        </a:prstGeom>
+        <a:solidFill>
+          <a:schemeClr val="accent1">
+            <a:hueOff val="0"/>
+            <a:satOff val="0"/>
+            <a:lumOff val="0"/>
+            <a:alphaOff val="0"/>
+          </a:schemeClr>
+        </a:solidFill>
+        <a:ln w="12700" cap="flat" cmpd="sng" algn="ctr">
+          <a:solidFill>
+            <a:schemeClr val="lt1">
+              <a:hueOff val="0"/>
+              <a:satOff val="0"/>
+              <a:lumOff val="0"/>
+              <a:alphaOff val="0"/>
+            </a:schemeClr>
+          </a:solidFill>
+          <a:prstDash val="solid"/>
+          <a:miter lim="800000"/>
+        </a:ln>
+        <a:effectLst/>
+      </dsp:spPr>
+      <dsp:style>
+        <a:lnRef idx="2">
+          <a:scrgbClr r="0" g="0" b="0"/>
+        </a:lnRef>
+        <a:fillRef idx="1">
+          <a:scrgbClr r="0" g="0" b="0"/>
+        </a:fillRef>
+        <a:effectRef idx="0">
+          <a:scrgbClr r="0" g="0" b="0"/>
+        </a:effectRef>
+        <a:fontRef idx="minor">
+          <a:schemeClr val="lt1"/>
+        </a:fontRef>
+      </dsp:style>
+      <dsp:txBody>
+        <a:bodyPr spcFirstLastPara="0" vert="horz" wrap="square" lIns="113792" tIns="113792" rIns="113792" bIns="113792" numCol="1" spcCol="1270" anchor="ctr" anchorCtr="0">
+          <a:noAutofit/>
+        </a:bodyPr>
+        <a:lstStyle/>
+        <a:p>
+          <a:pPr lvl="0" algn="ctr" defTabSz="711200" latinLnBrk="1">
+            <a:lnSpc>
+              <a:spcPct val="90000"/>
+            </a:lnSpc>
+            <a:spcBef>
+              <a:spcPct val="0"/>
+            </a:spcBef>
+            <a:spcAft>
+              <a:spcPct val="35000"/>
+            </a:spcAft>
+          </a:pPr>
+          <a:r>
+            <a:rPr lang="en-US" altLang="ko-KR" sz="1600" kern="1200" dirty="0" smtClean="0">
+              <a:latin typeface="Yoon 윤고딕 530_TT" panose="02090603020101020101" pitchFamily="18" charset="-127"/>
+              <a:ea typeface="Yoon 윤고딕 530_TT" panose="02090603020101020101" pitchFamily="18" charset="-127"/>
+            </a:rPr>
+            <a:t>2.</a:t>
+          </a:r>
+          <a:r>
+            <a:rPr lang="ko-KR" altLang="en-US" sz="1600" kern="1200" dirty="0" smtClean="0">
+              <a:latin typeface="Yoon 윤고딕 530_TT" panose="02090603020101020101" pitchFamily="18" charset="-127"/>
+              <a:ea typeface="Yoon 윤고딕 530_TT" panose="02090603020101020101" pitchFamily="18" charset="-127"/>
+            </a:rPr>
+            <a:t>데이터 가공</a:t>
+          </a:r>
+          <a:endParaRPr lang="ko-KR" altLang="en-US" sz="1600" kern="1200" dirty="0">
+            <a:latin typeface="Yoon 윤고딕 530_TT" panose="02090603020101020101" pitchFamily="18" charset="-127"/>
+            <a:ea typeface="Yoon 윤고딕 530_TT" panose="02090603020101020101" pitchFamily="18" charset="-127"/>
+          </a:endParaRPr>
+        </a:p>
+      </dsp:txBody>
+      <dsp:txXfrm>
+        <a:off x="2021935" y="41178"/>
+        <a:ext cx="1640307" cy="984184"/>
+      </dsp:txXfrm>
+    </dsp:sp>
+    <dsp:sp modelId="{99D5BFE8-DF90-41B0-845D-351609AFE63E}">
+      <dsp:nvSpPr>
+        <dsp:cNvPr id="0" name=""/>
+        <dsp:cNvSpPr/>
+      </dsp:nvSpPr>
+      <dsp:spPr>
+        <a:xfrm>
+          <a:off x="824511" y="1023563"/>
+          <a:ext cx="4035155" cy="346670"/>
+        </a:xfrm>
+        <a:custGeom>
+          <a:avLst/>
+          <a:gdLst/>
+          <a:ahLst/>
+          <a:cxnLst/>
+          <a:rect l="0" t="0" r="0" b="0"/>
+          <a:pathLst>
+            <a:path>
+              <a:moveTo>
+                <a:pt x="4035155" y="0"/>
+              </a:moveTo>
+              <a:lnTo>
+                <a:pt x="4035155" y="190435"/>
+              </a:lnTo>
+              <a:lnTo>
+                <a:pt x="0" y="190435"/>
+              </a:lnTo>
+              <a:lnTo>
+                <a:pt x="0" y="346670"/>
+              </a:lnTo>
+            </a:path>
+          </a:pathLst>
+        </a:custGeom>
+        <a:noFill/>
+        <a:ln w="6350" cap="flat" cmpd="sng" algn="ctr">
+          <a:solidFill>
+            <a:schemeClr val="accent1">
+              <a:hueOff val="0"/>
+              <a:satOff val="0"/>
+              <a:lumOff val="0"/>
+              <a:alphaOff val="0"/>
+            </a:schemeClr>
+          </a:solidFill>
+          <a:prstDash val="solid"/>
+          <a:miter lim="800000"/>
+          <a:tailEnd type="arrow"/>
+        </a:ln>
+        <a:effectLst/>
+      </dsp:spPr>
+      <dsp:style>
+        <a:lnRef idx="1">
+          <a:scrgbClr r="0" g="0" b="0"/>
+        </a:lnRef>
+        <a:fillRef idx="0">
+          <a:scrgbClr r="0" g="0" b="0"/>
+        </a:fillRef>
+        <a:effectRef idx="0">
+          <a:scrgbClr r="0" g="0" b="0"/>
+        </a:effectRef>
+        <a:fontRef idx="minor"/>
+      </dsp:style>
+      <dsp:txBody>
+        <a:bodyPr spcFirstLastPara="0" vert="horz" wrap="square" lIns="12700" tIns="0" rIns="12700" bIns="0" numCol="1" spcCol="1270" anchor="ctr" anchorCtr="0">
+          <a:noAutofit/>
+        </a:bodyPr>
+        <a:lstStyle/>
+        <a:p>
+          <a:pPr lvl="0" algn="ctr" defTabSz="711200" latinLnBrk="1">
+            <a:lnSpc>
+              <a:spcPct val="90000"/>
+            </a:lnSpc>
+            <a:spcBef>
+              <a:spcPct val="0"/>
+            </a:spcBef>
+            <a:spcAft>
+              <a:spcPct val="35000"/>
+            </a:spcAft>
+          </a:pPr>
+          <a:endParaRPr lang="ko-KR" altLang="en-US" sz="1600" kern="1200">
+            <a:latin typeface="Yoon 윤고딕 530_TT" panose="02090603020101020101" pitchFamily="18" charset="-127"/>
+            <a:ea typeface="Yoon 윤고딕 530_TT" panose="02090603020101020101" pitchFamily="18" charset="-127"/>
+          </a:endParaRPr>
+        </a:p>
+      </dsp:txBody>
+      <dsp:txXfrm>
+        <a:off x="2740770" y="1195012"/>
+        <a:ext cx="202637" cy="3772"/>
+      </dsp:txXfrm>
+    </dsp:sp>
+    <dsp:sp modelId="{82D4EAB2-8906-4D80-9E91-05F5CB401412}">
+      <dsp:nvSpPr>
+        <dsp:cNvPr id="0" name=""/>
+        <dsp:cNvSpPr/>
+      </dsp:nvSpPr>
+      <dsp:spPr>
+        <a:xfrm>
+          <a:off x="4039513" y="41178"/>
+          <a:ext cx="1640307" cy="984184"/>
+        </a:xfrm>
+        <a:prstGeom prst="rect">
+          <a:avLst/>
+        </a:prstGeom>
+        <a:solidFill>
+          <a:schemeClr val="accent1">
+            <a:hueOff val="0"/>
+            <a:satOff val="0"/>
+            <a:lumOff val="0"/>
+            <a:alphaOff val="0"/>
+          </a:schemeClr>
+        </a:solidFill>
+        <a:ln w="12700" cap="flat" cmpd="sng" algn="ctr">
+          <a:solidFill>
+            <a:schemeClr val="lt1">
+              <a:hueOff val="0"/>
+              <a:satOff val="0"/>
+              <a:lumOff val="0"/>
+              <a:alphaOff val="0"/>
+            </a:schemeClr>
+          </a:solidFill>
+          <a:prstDash val="solid"/>
+          <a:miter lim="800000"/>
+        </a:ln>
+        <a:effectLst/>
+      </dsp:spPr>
+      <dsp:style>
+        <a:lnRef idx="2">
+          <a:scrgbClr r="0" g="0" b="0"/>
+        </a:lnRef>
+        <a:fillRef idx="1">
+          <a:scrgbClr r="0" g="0" b="0"/>
+        </a:fillRef>
+        <a:effectRef idx="0">
+          <a:scrgbClr r="0" g="0" b="0"/>
+        </a:effectRef>
+        <a:fontRef idx="minor">
+          <a:schemeClr val="lt1"/>
+        </a:fontRef>
+      </dsp:style>
+      <dsp:txBody>
+        <a:bodyPr spcFirstLastPara="0" vert="horz" wrap="square" lIns="113792" tIns="113792" rIns="113792" bIns="113792" numCol="1" spcCol="1270" anchor="ctr" anchorCtr="0">
+          <a:noAutofit/>
+        </a:bodyPr>
+        <a:lstStyle/>
+        <a:p>
+          <a:pPr lvl="0" algn="ctr" defTabSz="711200" latinLnBrk="1">
+            <a:lnSpc>
+              <a:spcPct val="90000"/>
+            </a:lnSpc>
+            <a:spcBef>
+              <a:spcPct val="0"/>
+            </a:spcBef>
+            <a:spcAft>
+              <a:spcPct val="35000"/>
+            </a:spcAft>
+          </a:pPr>
+          <a:r>
+            <a:rPr lang="en-US" altLang="ko-KR" sz="1600" kern="1200" dirty="0" smtClean="0">
+              <a:latin typeface="Yoon 윤고딕 530_TT" panose="02090603020101020101" pitchFamily="18" charset="-127"/>
+              <a:ea typeface="Yoon 윤고딕 530_TT" panose="02090603020101020101" pitchFamily="18" charset="-127"/>
+            </a:rPr>
+            <a:t>3.</a:t>
+          </a:r>
+          <a:r>
+            <a:rPr lang="ko-KR" altLang="en-US" sz="1600" kern="1200" dirty="0" smtClean="0">
+              <a:latin typeface="Yoon 윤고딕 530_TT" panose="02090603020101020101" pitchFamily="18" charset="-127"/>
+              <a:ea typeface="Yoon 윤고딕 530_TT" panose="02090603020101020101" pitchFamily="18" charset="-127"/>
+            </a:rPr>
+            <a:t>데이터 학습</a:t>
+          </a:r>
+          <a:endParaRPr lang="ko-KR" altLang="en-US" sz="1600" kern="1200" dirty="0">
+            <a:latin typeface="Yoon 윤고딕 530_TT" panose="02090603020101020101" pitchFamily="18" charset="-127"/>
+            <a:ea typeface="Yoon 윤고딕 530_TT" panose="02090603020101020101" pitchFamily="18" charset="-127"/>
+          </a:endParaRPr>
+        </a:p>
+      </dsp:txBody>
+      <dsp:txXfrm>
+        <a:off x="4039513" y="41178"/>
+        <a:ext cx="1640307" cy="984184"/>
+      </dsp:txXfrm>
+    </dsp:sp>
+    <dsp:sp modelId="{9912BC03-90A5-4E3F-BBE0-644E26A10463}">
+      <dsp:nvSpPr>
+        <dsp:cNvPr id="0" name=""/>
+        <dsp:cNvSpPr/>
+      </dsp:nvSpPr>
+      <dsp:spPr>
+        <a:xfrm>
+          <a:off x="1642864" y="1849005"/>
+          <a:ext cx="346670" cy="91440"/>
+        </a:xfrm>
+        <a:custGeom>
+          <a:avLst/>
+          <a:gdLst/>
+          <a:ahLst/>
+          <a:cxnLst/>
+          <a:rect l="0" t="0" r="0" b="0"/>
+          <a:pathLst>
+            <a:path>
+              <a:moveTo>
+                <a:pt x="0" y="45720"/>
+              </a:moveTo>
+              <a:lnTo>
+                <a:pt x="346670" y="45720"/>
+              </a:lnTo>
+            </a:path>
+          </a:pathLst>
+        </a:custGeom>
+        <a:noFill/>
+        <a:ln w="6350" cap="flat" cmpd="sng" algn="ctr">
+          <a:solidFill>
+            <a:schemeClr val="accent1">
+              <a:hueOff val="0"/>
+              <a:satOff val="0"/>
+              <a:lumOff val="0"/>
+              <a:alphaOff val="0"/>
+            </a:schemeClr>
+          </a:solidFill>
+          <a:prstDash val="solid"/>
+          <a:miter lim="800000"/>
+          <a:tailEnd type="arrow"/>
+        </a:ln>
+        <a:effectLst/>
+      </dsp:spPr>
+      <dsp:style>
+        <a:lnRef idx="1">
+          <a:scrgbClr r="0" g="0" b="0"/>
+        </a:lnRef>
+        <a:fillRef idx="0">
+          <a:scrgbClr r="0" g="0" b="0"/>
+        </a:fillRef>
+        <a:effectRef idx="0">
+          <a:scrgbClr r="0" g="0" b="0"/>
+        </a:effectRef>
+        <a:fontRef idx="minor"/>
+      </dsp:style>
+      <dsp:txBody>
+        <a:bodyPr spcFirstLastPara="0" vert="horz" wrap="square" lIns="12700" tIns="0" rIns="12700" bIns="0" numCol="1" spcCol="1270" anchor="ctr" anchorCtr="0">
+          <a:noAutofit/>
+        </a:bodyPr>
+        <a:lstStyle/>
+        <a:p>
+          <a:pPr lvl="0" algn="ctr" defTabSz="711200" latinLnBrk="1">
+            <a:lnSpc>
+              <a:spcPct val="90000"/>
+            </a:lnSpc>
+            <a:spcBef>
+              <a:spcPct val="0"/>
+            </a:spcBef>
+            <a:spcAft>
+              <a:spcPct val="35000"/>
+            </a:spcAft>
+          </a:pPr>
+          <a:endParaRPr lang="ko-KR" altLang="en-US" sz="1600" kern="1200">
+            <a:latin typeface="Yoon 윤고딕 530_TT" panose="02090603020101020101" pitchFamily="18" charset="-127"/>
+            <a:ea typeface="Yoon 윤고딕 530_TT" panose="02090603020101020101" pitchFamily="18" charset="-127"/>
+          </a:endParaRPr>
+        </a:p>
+      </dsp:txBody>
+      <dsp:txXfrm>
+        <a:off x="1806768" y="1892839"/>
+        <a:ext cx="18863" cy="3772"/>
+      </dsp:txXfrm>
+    </dsp:sp>
+    <dsp:sp modelId="{8EA758D3-A690-4BCD-8937-0FA90EB1A4C2}">
+      <dsp:nvSpPr>
+        <dsp:cNvPr id="0" name=""/>
+        <dsp:cNvSpPr/>
+      </dsp:nvSpPr>
+      <dsp:spPr>
+        <a:xfrm>
+          <a:off x="4357" y="1402633"/>
+          <a:ext cx="1640307" cy="984184"/>
+        </a:xfrm>
+        <a:prstGeom prst="rect">
+          <a:avLst/>
+        </a:prstGeom>
+        <a:solidFill>
+          <a:schemeClr val="accent1">
+            <a:hueOff val="0"/>
+            <a:satOff val="0"/>
+            <a:lumOff val="0"/>
+            <a:alphaOff val="0"/>
+          </a:schemeClr>
+        </a:solidFill>
+        <a:ln w="12700" cap="flat" cmpd="sng" algn="ctr">
+          <a:solidFill>
+            <a:schemeClr val="lt1">
+              <a:hueOff val="0"/>
+              <a:satOff val="0"/>
+              <a:lumOff val="0"/>
+              <a:alphaOff val="0"/>
+            </a:schemeClr>
+          </a:solidFill>
+          <a:prstDash val="solid"/>
+          <a:miter lim="800000"/>
+        </a:ln>
+        <a:effectLst/>
+      </dsp:spPr>
+      <dsp:style>
+        <a:lnRef idx="2">
+          <a:scrgbClr r="0" g="0" b="0"/>
+        </a:lnRef>
+        <a:fillRef idx="1">
+          <a:scrgbClr r="0" g="0" b="0"/>
+        </a:fillRef>
+        <a:effectRef idx="0">
+          <a:scrgbClr r="0" g="0" b="0"/>
+        </a:effectRef>
+        <a:fontRef idx="minor">
+          <a:schemeClr val="lt1"/>
+        </a:fontRef>
+      </dsp:style>
+      <dsp:txBody>
+        <a:bodyPr spcFirstLastPara="0" vert="horz" wrap="square" lIns="113792" tIns="113792" rIns="113792" bIns="113792" numCol="1" spcCol="1270" anchor="ctr" anchorCtr="0">
+          <a:noAutofit/>
+        </a:bodyPr>
+        <a:lstStyle/>
+        <a:p>
+          <a:pPr lvl="0" algn="ctr" defTabSz="711200" latinLnBrk="1">
+            <a:lnSpc>
+              <a:spcPct val="90000"/>
+            </a:lnSpc>
+            <a:spcBef>
+              <a:spcPct val="0"/>
+            </a:spcBef>
+            <a:spcAft>
+              <a:spcPct val="35000"/>
+            </a:spcAft>
+          </a:pPr>
+          <a:r>
+            <a:rPr lang="en-US" altLang="ko-KR" sz="1600" kern="1200" dirty="0" smtClean="0">
+              <a:latin typeface="Yoon 윤고딕 530_TT" panose="02090603020101020101" pitchFamily="18" charset="-127"/>
+              <a:ea typeface="Yoon 윤고딕 530_TT" panose="02090603020101020101" pitchFamily="18" charset="-127"/>
+            </a:rPr>
+            <a:t>4.</a:t>
+          </a:r>
+          <a:r>
+            <a:rPr lang="ko-KR" altLang="en-US" sz="1600" kern="1200" dirty="0" smtClean="0">
+              <a:latin typeface="Yoon 윤고딕 530_TT" panose="02090603020101020101" pitchFamily="18" charset="-127"/>
+              <a:ea typeface="Yoon 윤고딕 530_TT" panose="02090603020101020101" pitchFamily="18" charset="-127"/>
+            </a:rPr>
+            <a:t>학습방법선택</a:t>
+          </a:r>
+          <a:endParaRPr lang="ko-KR" altLang="en-US" sz="1600" kern="1200" dirty="0">
+            <a:latin typeface="Yoon 윤고딕 530_TT" panose="02090603020101020101" pitchFamily="18" charset="-127"/>
+            <a:ea typeface="Yoon 윤고딕 530_TT" panose="02090603020101020101" pitchFamily="18" charset="-127"/>
+          </a:endParaRPr>
+        </a:p>
+      </dsp:txBody>
+      <dsp:txXfrm>
+        <a:off x="4357" y="1402633"/>
+        <a:ext cx="1640307" cy="984184"/>
+      </dsp:txXfrm>
+    </dsp:sp>
+    <dsp:sp modelId="{11338765-15F3-4EAB-9D99-47BAEDCA5E73}">
+      <dsp:nvSpPr>
+        <dsp:cNvPr id="0" name=""/>
+        <dsp:cNvSpPr/>
+      </dsp:nvSpPr>
+      <dsp:spPr>
+        <a:xfrm>
+          <a:off x="3660442" y="1849005"/>
+          <a:ext cx="346670" cy="91440"/>
+        </a:xfrm>
+        <a:custGeom>
+          <a:avLst/>
+          <a:gdLst/>
+          <a:ahLst/>
+          <a:cxnLst/>
+          <a:rect l="0" t="0" r="0" b="0"/>
+          <a:pathLst>
+            <a:path>
+              <a:moveTo>
+                <a:pt x="0" y="45720"/>
+              </a:moveTo>
+              <a:lnTo>
+                <a:pt x="346670" y="45720"/>
+              </a:lnTo>
+            </a:path>
+          </a:pathLst>
+        </a:custGeom>
+        <a:noFill/>
+        <a:ln w="6350" cap="flat" cmpd="sng" algn="ctr">
+          <a:solidFill>
+            <a:schemeClr val="accent1">
+              <a:hueOff val="0"/>
+              <a:satOff val="0"/>
+              <a:lumOff val="0"/>
+              <a:alphaOff val="0"/>
+            </a:schemeClr>
+          </a:solidFill>
+          <a:prstDash val="solid"/>
+          <a:miter lim="800000"/>
+          <a:tailEnd type="arrow"/>
+        </a:ln>
+        <a:effectLst/>
+      </dsp:spPr>
+      <dsp:style>
+        <a:lnRef idx="1">
+          <a:scrgbClr r="0" g="0" b="0"/>
+        </a:lnRef>
+        <a:fillRef idx="0">
+          <a:scrgbClr r="0" g="0" b="0"/>
+        </a:fillRef>
+        <a:effectRef idx="0">
+          <a:scrgbClr r="0" g="0" b="0"/>
+        </a:effectRef>
+        <a:fontRef idx="minor"/>
+      </dsp:style>
+      <dsp:txBody>
+        <a:bodyPr spcFirstLastPara="0" vert="horz" wrap="square" lIns="12700" tIns="0" rIns="12700" bIns="0" numCol="1" spcCol="1270" anchor="ctr" anchorCtr="0">
+          <a:noAutofit/>
+        </a:bodyPr>
+        <a:lstStyle/>
+        <a:p>
+          <a:pPr lvl="0" algn="ctr" defTabSz="711200" latinLnBrk="1">
+            <a:lnSpc>
+              <a:spcPct val="90000"/>
+            </a:lnSpc>
+            <a:spcBef>
+              <a:spcPct val="0"/>
+            </a:spcBef>
+            <a:spcAft>
+              <a:spcPct val="35000"/>
+            </a:spcAft>
+          </a:pPr>
+          <a:endParaRPr lang="ko-KR" altLang="en-US" sz="1600" kern="1200">
+            <a:latin typeface="Yoon 윤고딕 530_TT" panose="02090603020101020101" pitchFamily="18" charset="-127"/>
+            <a:ea typeface="Yoon 윤고딕 530_TT" panose="02090603020101020101" pitchFamily="18" charset="-127"/>
+          </a:endParaRPr>
+        </a:p>
+      </dsp:txBody>
+      <dsp:txXfrm>
+        <a:off x="3824346" y="1892839"/>
+        <a:ext cx="18863" cy="3772"/>
+      </dsp:txXfrm>
+    </dsp:sp>
+    <dsp:sp modelId="{D5D6CEF6-28ED-4E9B-84E6-F4AA8036AD8B}">
+      <dsp:nvSpPr>
+        <dsp:cNvPr id="0" name=""/>
+        <dsp:cNvSpPr/>
+      </dsp:nvSpPr>
+      <dsp:spPr>
+        <a:xfrm>
+          <a:off x="2021935" y="1402633"/>
+          <a:ext cx="1640307" cy="984184"/>
+        </a:xfrm>
+        <a:prstGeom prst="rect">
+          <a:avLst/>
+        </a:prstGeom>
+        <a:solidFill>
+          <a:schemeClr val="accent1">
+            <a:hueOff val="0"/>
+            <a:satOff val="0"/>
+            <a:lumOff val="0"/>
+            <a:alphaOff val="0"/>
+          </a:schemeClr>
+        </a:solidFill>
+        <a:ln w="12700" cap="flat" cmpd="sng" algn="ctr">
+          <a:solidFill>
+            <a:schemeClr val="lt1">
+              <a:hueOff val="0"/>
+              <a:satOff val="0"/>
+              <a:lumOff val="0"/>
+              <a:alphaOff val="0"/>
+            </a:schemeClr>
+          </a:solidFill>
+          <a:prstDash val="solid"/>
+          <a:miter lim="800000"/>
+        </a:ln>
+        <a:effectLst/>
+      </dsp:spPr>
+      <dsp:style>
+        <a:lnRef idx="2">
+          <a:scrgbClr r="0" g="0" b="0"/>
+        </a:lnRef>
+        <a:fillRef idx="1">
+          <a:scrgbClr r="0" g="0" b="0"/>
+        </a:fillRef>
+        <a:effectRef idx="0">
+          <a:scrgbClr r="0" g="0" b="0"/>
+        </a:effectRef>
+        <a:fontRef idx="minor">
+          <a:schemeClr val="lt1"/>
+        </a:fontRef>
+      </dsp:style>
+      <dsp:txBody>
+        <a:bodyPr spcFirstLastPara="0" vert="horz" wrap="square" lIns="113792" tIns="113792" rIns="113792" bIns="113792" numCol="1" spcCol="1270" anchor="ctr" anchorCtr="0">
+          <a:noAutofit/>
+        </a:bodyPr>
+        <a:lstStyle/>
+        <a:p>
+          <a:pPr lvl="0" algn="ctr" defTabSz="711200" latinLnBrk="1">
+            <a:lnSpc>
+              <a:spcPct val="90000"/>
+            </a:lnSpc>
+            <a:spcBef>
+              <a:spcPct val="0"/>
+            </a:spcBef>
+            <a:spcAft>
+              <a:spcPct val="35000"/>
+            </a:spcAft>
+          </a:pPr>
+          <a:r>
+            <a:rPr lang="en-US" altLang="ko-KR" sz="1600" kern="1200" dirty="0" smtClean="0">
+              <a:latin typeface="Yoon 윤고딕 530_TT" panose="02090603020101020101" pitchFamily="18" charset="-127"/>
+              <a:ea typeface="Yoon 윤고딕 530_TT" panose="02090603020101020101" pitchFamily="18" charset="-127"/>
+            </a:rPr>
+            <a:t>5.</a:t>
+          </a:r>
+          <a:r>
+            <a:rPr lang="ko-KR" altLang="en-US" sz="1600" kern="1200" dirty="0" smtClean="0">
+              <a:latin typeface="Yoon 윤고딕 530_TT" panose="02090603020101020101" pitchFamily="18" charset="-127"/>
+              <a:ea typeface="Yoon 윤고딕 530_TT" panose="02090603020101020101" pitchFamily="18" charset="-127"/>
+            </a:rPr>
+            <a:t>매개변수 조정</a:t>
+          </a:r>
+          <a:endParaRPr lang="ko-KR" altLang="en-US" sz="1600" kern="1200" dirty="0">
+            <a:latin typeface="Yoon 윤고딕 530_TT" panose="02090603020101020101" pitchFamily="18" charset="-127"/>
+            <a:ea typeface="Yoon 윤고딕 530_TT" panose="02090603020101020101" pitchFamily="18" charset="-127"/>
+          </a:endParaRPr>
+        </a:p>
+      </dsp:txBody>
+      <dsp:txXfrm>
+        <a:off x="2021935" y="1402633"/>
+        <a:ext cx="1640307" cy="984184"/>
+      </dsp:txXfrm>
+    </dsp:sp>
+    <dsp:sp modelId="{4524C451-083C-4494-9BD1-FF4D70879A35}">
+      <dsp:nvSpPr>
+        <dsp:cNvPr id="0" name=""/>
+        <dsp:cNvSpPr/>
+      </dsp:nvSpPr>
+      <dsp:spPr>
+        <a:xfrm>
+          <a:off x="824511" y="2385018"/>
+          <a:ext cx="4035155" cy="346670"/>
+        </a:xfrm>
+        <a:custGeom>
+          <a:avLst/>
+          <a:gdLst/>
+          <a:ahLst/>
+          <a:cxnLst/>
+          <a:rect l="0" t="0" r="0" b="0"/>
+          <a:pathLst>
+            <a:path>
+              <a:moveTo>
+                <a:pt x="4035155" y="0"/>
+              </a:moveTo>
+              <a:lnTo>
+                <a:pt x="4035155" y="190435"/>
+              </a:lnTo>
+              <a:lnTo>
+                <a:pt x="0" y="190435"/>
+              </a:lnTo>
+              <a:lnTo>
+                <a:pt x="0" y="346670"/>
+              </a:lnTo>
+            </a:path>
+          </a:pathLst>
+        </a:custGeom>
+        <a:noFill/>
+        <a:ln w="6350" cap="flat" cmpd="sng" algn="ctr">
+          <a:solidFill>
+            <a:schemeClr val="accent1">
+              <a:hueOff val="0"/>
+              <a:satOff val="0"/>
+              <a:lumOff val="0"/>
+              <a:alphaOff val="0"/>
+            </a:schemeClr>
+          </a:solidFill>
+          <a:prstDash val="solid"/>
+          <a:miter lim="800000"/>
+          <a:tailEnd type="arrow"/>
+        </a:ln>
+        <a:effectLst/>
+      </dsp:spPr>
+      <dsp:style>
+        <a:lnRef idx="1">
+          <a:scrgbClr r="0" g="0" b="0"/>
+        </a:lnRef>
+        <a:fillRef idx="0">
+          <a:scrgbClr r="0" g="0" b="0"/>
+        </a:fillRef>
+        <a:effectRef idx="0">
+          <a:scrgbClr r="0" g="0" b="0"/>
+        </a:effectRef>
+        <a:fontRef idx="minor"/>
+      </dsp:style>
+      <dsp:txBody>
+        <a:bodyPr spcFirstLastPara="0" vert="horz" wrap="square" lIns="12700" tIns="0" rIns="12700" bIns="0" numCol="1" spcCol="1270" anchor="ctr" anchorCtr="0">
+          <a:noAutofit/>
+        </a:bodyPr>
+        <a:lstStyle/>
+        <a:p>
+          <a:pPr lvl="0" algn="ctr" defTabSz="711200" latinLnBrk="1">
+            <a:lnSpc>
+              <a:spcPct val="90000"/>
+            </a:lnSpc>
+            <a:spcBef>
+              <a:spcPct val="0"/>
+            </a:spcBef>
+            <a:spcAft>
+              <a:spcPct val="35000"/>
+            </a:spcAft>
+          </a:pPr>
+          <a:endParaRPr lang="ko-KR" altLang="en-US" sz="1600" kern="1200"/>
+        </a:p>
+      </dsp:txBody>
+      <dsp:txXfrm>
+        <a:off x="2740770" y="2556467"/>
+        <a:ext cx="202637" cy="3772"/>
+      </dsp:txXfrm>
+    </dsp:sp>
+    <dsp:sp modelId="{9E56DC60-F0DB-488E-A282-D5C45997B0FF}">
+      <dsp:nvSpPr>
+        <dsp:cNvPr id="0" name=""/>
+        <dsp:cNvSpPr/>
+      </dsp:nvSpPr>
+      <dsp:spPr>
+        <a:xfrm>
+          <a:off x="4039513" y="1402633"/>
+          <a:ext cx="1640307" cy="984184"/>
+        </a:xfrm>
+        <a:prstGeom prst="rect">
+          <a:avLst/>
+        </a:prstGeom>
+        <a:solidFill>
+          <a:schemeClr val="accent1">
+            <a:hueOff val="0"/>
+            <a:satOff val="0"/>
+            <a:lumOff val="0"/>
+            <a:alphaOff val="0"/>
+          </a:schemeClr>
+        </a:solidFill>
+        <a:ln w="12700" cap="flat" cmpd="sng" algn="ctr">
+          <a:solidFill>
+            <a:schemeClr val="lt1">
+              <a:hueOff val="0"/>
+              <a:satOff val="0"/>
+              <a:lumOff val="0"/>
+              <a:alphaOff val="0"/>
+            </a:schemeClr>
+          </a:solidFill>
+          <a:prstDash val="solid"/>
+          <a:miter lim="800000"/>
+        </a:ln>
+        <a:effectLst/>
+      </dsp:spPr>
+      <dsp:style>
+        <a:lnRef idx="2">
+          <a:scrgbClr r="0" g="0" b="0"/>
+        </a:lnRef>
+        <a:fillRef idx="1">
+          <a:scrgbClr r="0" g="0" b="0"/>
+        </a:fillRef>
+        <a:effectRef idx="0">
+          <a:scrgbClr r="0" g="0" b="0"/>
+        </a:effectRef>
+        <a:fontRef idx="minor">
+          <a:schemeClr val="lt1"/>
+        </a:fontRef>
+      </dsp:style>
+      <dsp:txBody>
+        <a:bodyPr spcFirstLastPara="0" vert="horz" wrap="square" lIns="113792" tIns="113792" rIns="113792" bIns="113792" numCol="1" spcCol="1270" anchor="ctr" anchorCtr="0">
+          <a:noAutofit/>
+        </a:bodyPr>
+        <a:lstStyle/>
+        <a:p>
+          <a:pPr lvl="0" algn="ctr" defTabSz="711200" latinLnBrk="1">
+            <a:lnSpc>
+              <a:spcPct val="90000"/>
+            </a:lnSpc>
+            <a:spcBef>
+              <a:spcPct val="0"/>
+            </a:spcBef>
+            <a:spcAft>
+              <a:spcPct val="35000"/>
+            </a:spcAft>
+          </a:pPr>
+          <a:r>
+            <a:rPr lang="en-US" altLang="ko-KR" sz="1600" kern="1200" dirty="0" smtClean="0">
+              <a:latin typeface="Yoon 윤고딕 530_TT" panose="02090603020101020101" pitchFamily="18" charset="-127"/>
+              <a:ea typeface="Yoon 윤고딕 530_TT" panose="02090603020101020101" pitchFamily="18" charset="-127"/>
+            </a:rPr>
+            <a:t>6.</a:t>
+          </a:r>
+          <a:r>
+            <a:rPr lang="ko-KR" altLang="en-US" sz="1600" kern="1200" dirty="0" smtClean="0">
+              <a:latin typeface="Yoon 윤고딕 530_TT" panose="02090603020101020101" pitchFamily="18" charset="-127"/>
+              <a:ea typeface="Yoon 윤고딕 530_TT" panose="02090603020101020101" pitchFamily="18" charset="-127"/>
+            </a:rPr>
+            <a:t>모델학습</a:t>
+          </a:r>
+          <a:endParaRPr lang="ko-KR" altLang="en-US" sz="1600" kern="1200" dirty="0">
+            <a:latin typeface="Yoon 윤고딕 530_TT" panose="02090603020101020101" pitchFamily="18" charset="-127"/>
+            <a:ea typeface="Yoon 윤고딕 530_TT" panose="02090603020101020101" pitchFamily="18" charset="-127"/>
+          </a:endParaRPr>
+        </a:p>
+      </dsp:txBody>
+      <dsp:txXfrm>
+        <a:off x="4039513" y="1402633"/>
+        <a:ext cx="1640307" cy="984184"/>
+      </dsp:txXfrm>
+    </dsp:sp>
+    <dsp:sp modelId="{B21368AF-B5DC-4B69-A7CC-E80474432609}">
+      <dsp:nvSpPr>
+        <dsp:cNvPr id="0" name=""/>
+        <dsp:cNvSpPr/>
+      </dsp:nvSpPr>
+      <dsp:spPr>
+        <a:xfrm>
+          <a:off x="1642864" y="3210460"/>
+          <a:ext cx="346670" cy="91440"/>
+        </a:xfrm>
+        <a:custGeom>
+          <a:avLst/>
+          <a:gdLst/>
+          <a:ahLst/>
+          <a:cxnLst/>
+          <a:rect l="0" t="0" r="0" b="0"/>
+          <a:pathLst>
+            <a:path>
+              <a:moveTo>
+                <a:pt x="0" y="45720"/>
+              </a:moveTo>
+              <a:lnTo>
+                <a:pt x="346670" y="45720"/>
+              </a:lnTo>
+            </a:path>
+          </a:pathLst>
+        </a:custGeom>
+        <a:noFill/>
+        <a:ln w="6350" cap="flat" cmpd="sng" algn="ctr">
+          <a:solidFill>
+            <a:schemeClr val="accent1">
+              <a:hueOff val="0"/>
+              <a:satOff val="0"/>
+              <a:lumOff val="0"/>
+              <a:alphaOff val="0"/>
+            </a:schemeClr>
+          </a:solidFill>
+          <a:prstDash val="solid"/>
+          <a:miter lim="800000"/>
+          <a:tailEnd type="arrow"/>
+        </a:ln>
+        <a:effectLst/>
+      </dsp:spPr>
+      <dsp:style>
+        <a:lnRef idx="1">
+          <a:scrgbClr r="0" g="0" b="0"/>
+        </a:lnRef>
+        <a:fillRef idx="0">
+          <a:scrgbClr r="0" g="0" b="0"/>
+        </a:fillRef>
+        <a:effectRef idx="0">
+          <a:scrgbClr r="0" g="0" b="0"/>
+        </a:effectRef>
+        <a:fontRef idx="minor"/>
+      </dsp:style>
+      <dsp:txBody>
+        <a:bodyPr spcFirstLastPara="0" vert="horz" wrap="square" lIns="12700" tIns="0" rIns="12700" bIns="0" numCol="1" spcCol="1270" anchor="ctr" anchorCtr="0">
+          <a:noAutofit/>
+        </a:bodyPr>
+        <a:lstStyle/>
+        <a:p>
+          <a:pPr lvl="0" algn="ctr" defTabSz="711200" latinLnBrk="1">
+            <a:lnSpc>
+              <a:spcPct val="90000"/>
+            </a:lnSpc>
+            <a:spcBef>
+              <a:spcPct val="0"/>
+            </a:spcBef>
+            <a:spcAft>
+              <a:spcPct val="35000"/>
+            </a:spcAft>
+          </a:pPr>
+          <a:endParaRPr lang="ko-KR" altLang="en-US" sz="1600" kern="1200"/>
+        </a:p>
+      </dsp:txBody>
+      <dsp:txXfrm>
+        <a:off x="1806768" y="3254294"/>
+        <a:ext cx="18863" cy="3772"/>
+      </dsp:txXfrm>
+    </dsp:sp>
+    <dsp:sp modelId="{CA672776-B0D4-4DCC-9C15-D2614E6EE7FB}">
+      <dsp:nvSpPr>
+        <dsp:cNvPr id="0" name=""/>
+        <dsp:cNvSpPr/>
+      </dsp:nvSpPr>
+      <dsp:spPr>
+        <a:xfrm>
+          <a:off x="4357" y="2764088"/>
+          <a:ext cx="1640307" cy="984184"/>
+        </a:xfrm>
+        <a:prstGeom prst="rect">
+          <a:avLst/>
+        </a:prstGeom>
+        <a:solidFill>
+          <a:schemeClr val="accent1">
+            <a:hueOff val="0"/>
+            <a:satOff val="0"/>
+            <a:lumOff val="0"/>
+            <a:alphaOff val="0"/>
+          </a:schemeClr>
+        </a:solidFill>
+        <a:ln w="12700" cap="flat" cmpd="sng" algn="ctr">
+          <a:solidFill>
+            <a:schemeClr val="lt1">
+              <a:hueOff val="0"/>
+              <a:satOff val="0"/>
+              <a:lumOff val="0"/>
+              <a:alphaOff val="0"/>
+            </a:schemeClr>
+          </a:solidFill>
+          <a:prstDash val="solid"/>
+          <a:miter lim="800000"/>
+        </a:ln>
+        <a:effectLst/>
+      </dsp:spPr>
+      <dsp:style>
+        <a:lnRef idx="2">
+          <a:scrgbClr r="0" g="0" b="0"/>
+        </a:lnRef>
+        <a:fillRef idx="1">
+          <a:scrgbClr r="0" g="0" b="0"/>
+        </a:fillRef>
+        <a:effectRef idx="0">
+          <a:scrgbClr r="0" g="0" b="0"/>
+        </a:effectRef>
+        <a:fontRef idx="minor">
+          <a:schemeClr val="lt1"/>
+        </a:fontRef>
+      </dsp:style>
+      <dsp:txBody>
+        <a:bodyPr spcFirstLastPara="0" vert="horz" wrap="square" lIns="113792" tIns="113792" rIns="113792" bIns="113792" numCol="1" spcCol="1270" anchor="ctr" anchorCtr="0">
+          <a:noAutofit/>
+        </a:bodyPr>
+        <a:lstStyle/>
+        <a:p>
+          <a:pPr lvl="0" algn="ctr" defTabSz="711200" latinLnBrk="1">
+            <a:lnSpc>
+              <a:spcPct val="90000"/>
+            </a:lnSpc>
+            <a:spcBef>
+              <a:spcPct val="0"/>
+            </a:spcBef>
+            <a:spcAft>
+              <a:spcPct val="35000"/>
+            </a:spcAft>
+          </a:pPr>
+          <a:r>
+            <a:rPr lang="en-US" altLang="ko-KR" sz="1600" kern="1200" dirty="0" smtClean="0">
+              <a:latin typeface="Yoon 윤고딕 530_TT" panose="02090603020101020101" pitchFamily="18" charset="-127"/>
+              <a:ea typeface="Yoon 윤고딕 530_TT" panose="02090603020101020101" pitchFamily="18" charset="-127"/>
+            </a:rPr>
+            <a:t>7.</a:t>
+          </a:r>
+          <a:r>
+            <a:rPr lang="ko-KR" altLang="en-US" sz="1600" kern="1200" dirty="0" smtClean="0">
+              <a:latin typeface="Yoon 윤고딕 530_TT" panose="02090603020101020101" pitchFamily="18" charset="-127"/>
+              <a:ea typeface="Yoon 윤고딕 530_TT" panose="02090603020101020101" pitchFamily="18" charset="-127"/>
+            </a:rPr>
+            <a:t>정확도 평가</a:t>
+          </a:r>
+          <a:endParaRPr lang="ko-KR" altLang="en-US" sz="1600" kern="1200" dirty="0">
+            <a:latin typeface="Yoon 윤고딕 530_TT" panose="02090603020101020101" pitchFamily="18" charset="-127"/>
+            <a:ea typeface="Yoon 윤고딕 530_TT" panose="02090603020101020101" pitchFamily="18" charset="-127"/>
+          </a:endParaRPr>
+        </a:p>
+      </dsp:txBody>
+      <dsp:txXfrm>
+        <a:off x="4357" y="2764088"/>
+        <a:ext cx="1640307" cy="984184"/>
+      </dsp:txXfrm>
+    </dsp:sp>
+    <dsp:sp modelId="{8758A20D-7E53-433D-A686-79FD2154B911}">
+      <dsp:nvSpPr>
+        <dsp:cNvPr id="0" name=""/>
+        <dsp:cNvSpPr/>
+      </dsp:nvSpPr>
+      <dsp:spPr>
+        <a:xfrm>
+          <a:off x="2021935" y="2764088"/>
+          <a:ext cx="1640307" cy="984184"/>
+        </a:xfrm>
+        <a:prstGeom prst="rect">
+          <a:avLst/>
+        </a:prstGeom>
+        <a:solidFill>
+          <a:schemeClr val="accent1">
+            <a:hueOff val="0"/>
+            <a:satOff val="0"/>
+            <a:lumOff val="0"/>
+            <a:alphaOff val="0"/>
+          </a:schemeClr>
+        </a:solidFill>
+        <a:ln w="12700" cap="flat" cmpd="sng" algn="ctr">
+          <a:solidFill>
+            <a:schemeClr val="lt1">
+              <a:hueOff val="0"/>
+              <a:satOff val="0"/>
+              <a:lumOff val="0"/>
+              <a:alphaOff val="0"/>
+            </a:schemeClr>
+          </a:solidFill>
+          <a:prstDash val="solid"/>
+          <a:miter lim="800000"/>
+        </a:ln>
+        <a:effectLst/>
+      </dsp:spPr>
+      <dsp:style>
+        <a:lnRef idx="2">
+          <a:scrgbClr r="0" g="0" b="0"/>
+        </a:lnRef>
+        <a:fillRef idx="1">
+          <a:scrgbClr r="0" g="0" b="0"/>
+        </a:fillRef>
+        <a:effectRef idx="0">
+          <a:scrgbClr r="0" g="0" b="0"/>
+        </a:effectRef>
+        <a:fontRef idx="minor">
+          <a:schemeClr val="lt1"/>
+        </a:fontRef>
+      </dsp:style>
+      <dsp:txBody>
+        <a:bodyPr spcFirstLastPara="0" vert="horz" wrap="square" lIns="113792" tIns="113792" rIns="113792" bIns="113792" numCol="1" spcCol="1270" anchor="ctr" anchorCtr="0">
+          <a:noAutofit/>
+        </a:bodyPr>
+        <a:lstStyle/>
+        <a:p>
+          <a:pPr lvl="0" algn="ctr" defTabSz="711200" latinLnBrk="1">
+            <a:lnSpc>
+              <a:spcPct val="90000"/>
+            </a:lnSpc>
+            <a:spcBef>
+              <a:spcPct val="0"/>
+            </a:spcBef>
+            <a:spcAft>
+              <a:spcPct val="35000"/>
+            </a:spcAft>
+          </a:pPr>
+          <a:r>
+            <a:rPr lang="ko-KR" altLang="en-US" sz="1600" kern="1200" dirty="0" smtClean="0">
+              <a:latin typeface="Yoon 윤고딕 530_TT" panose="02090603020101020101" pitchFamily="18" charset="-127"/>
+              <a:ea typeface="Yoon 윤고딕 530_TT" panose="02090603020101020101" pitchFamily="18" charset="-127"/>
+            </a:rPr>
+            <a:t>성공</a:t>
+          </a:r>
+          <a:endParaRPr lang="ko-KR" altLang="en-US" sz="1600" kern="1200" dirty="0">
+            <a:latin typeface="Yoon 윤고딕 530_TT" panose="02090603020101020101" pitchFamily="18" charset="-127"/>
+            <a:ea typeface="Yoon 윤고딕 530_TT" panose="02090603020101020101" pitchFamily="18" charset="-127"/>
+          </a:endParaRPr>
+        </a:p>
+      </dsp:txBody>
+      <dsp:txXfrm>
+        <a:off x="2021935" y="2764088"/>
+        <a:ext cx="1640307" cy="984184"/>
+      </dsp:txXfrm>
+    </dsp:sp>
   </dsp:spTree>
 </dsp:drawing>
 </file>
@@ -8825,6 +10139,1723 @@
 </p:sld>
 </file>
 
+<file path=ppt/slides/slide17.xml><?xml version="1.0" encoding="utf-8"?>
+<p:sld xmlns:a="http://schemas.openxmlformats.org/drawingml/2006/main" xmlns:r="http://schemas.openxmlformats.org/officeDocument/2006/relationships" xmlns:p="http://schemas.openxmlformats.org/presentationml/2006/main">
+  <p:cSld>
+    <p:spTree>
+      <p:nvGrpSpPr>
+        <p:cNvPr id="1" name=""/>
+        <p:cNvGrpSpPr/>
+        <p:nvPr/>
+      </p:nvGrpSpPr>
+      <p:grpSpPr>
+        <a:xfrm>
+          <a:off x="0" y="0"/>
+          <a:ext cx="0" cy="0"/>
+          <a:chOff x="0" y="0"/>
+          <a:chExt cx="0" cy="0"/>
+        </a:xfrm>
+      </p:grpSpPr>
+      <p:sp>
+        <p:nvSpPr>
+          <p:cNvPr id="11" name="TextBox 10"/>
+          <p:cNvSpPr txBox="1"/>
+          <p:nvPr/>
+        </p:nvSpPr>
+        <p:spPr>
+          <a:xfrm>
+            <a:off x="191344" y="3648009"/>
+            <a:ext cx="3525518" cy="307777"/>
+          </a:xfrm>
+          <a:prstGeom prst="rect">
+            <a:avLst/>
+          </a:prstGeom>
+          <a:noFill/>
+        </p:spPr>
+        <p:txBody>
+          <a:bodyPr wrap="square" tIns="0" bIns="0" rtlCol="0">
+            <a:spAutoFit/>
+          </a:bodyPr>
+          <a:lstStyle/>
+          <a:p>
+            <a:pPr algn="r"/>
+            <a:r>
+              <a:rPr lang="ko-KR" altLang="en-US" sz="2000" spc="-300" dirty="0" err="1" smtClean="0">
+                <a:ln>
+                  <a:solidFill>
+                    <a:schemeClr val="accent1">
+                      <a:alpha val="0"/>
+                    </a:schemeClr>
+                  </a:solidFill>
+                </a:ln>
+                <a:solidFill>
+                  <a:schemeClr val="bg2">
+                    <a:lumMod val="50000"/>
+                  </a:schemeClr>
+                </a:solidFill>
+                <a:latin typeface="Yoon 윤고딕 530_TT" panose="02090603020101020101" pitchFamily="18" charset="-127"/>
+                <a:ea typeface="Yoon 윤고딕 530_TT" panose="02090603020101020101" pitchFamily="18" charset="-127"/>
+              </a:rPr>
+              <a:t>파이썬을</a:t>
+            </a:r>
+            <a:r>
+              <a:rPr lang="ko-KR" altLang="en-US" sz="2000" spc="-300" dirty="0" smtClean="0">
+                <a:ln>
+                  <a:solidFill>
+                    <a:schemeClr val="accent1">
+                      <a:alpha val="0"/>
+                    </a:schemeClr>
+                  </a:solidFill>
+                </a:ln>
+                <a:solidFill>
+                  <a:schemeClr val="bg2">
+                    <a:lumMod val="50000"/>
+                  </a:schemeClr>
+                </a:solidFill>
+                <a:latin typeface="Yoon 윤고딕 530_TT" panose="02090603020101020101" pitchFamily="18" charset="-127"/>
+                <a:ea typeface="Yoon 윤고딕 530_TT" panose="02090603020101020101" pitchFamily="18" charset="-127"/>
+              </a:rPr>
+              <a:t> 활용한 웹 데이터  수집하기</a:t>
+            </a:r>
+            <a:endParaRPr lang="ko-KR" altLang="en-US" sz="2000" spc="-300" dirty="0">
+              <a:ln>
+                <a:solidFill>
+                  <a:schemeClr val="accent1">
+                    <a:alpha val="0"/>
+                  </a:schemeClr>
+                </a:solidFill>
+              </a:ln>
+              <a:solidFill>
+                <a:schemeClr val="bg2">
+                  <a:lumMod val="50000"/>
+                </a:schemeClr>
+              </a:solidFill>
+              <a:latin typeface="Yoon 윤고딕 530_TT" panose="02090603020101020101" pitchFamily="18" charset="-127"/>
+              <a:ea typeface="Yoon 윤고딕 530_TT" panose="02090603020101020101" pitchFamily="18" charset="-127"/>
+            </a:endParaRPr>
+          </a:p>
+        </p:txBody>
+      </p:sp>
+      <p:pic>
+        <p:nvPicPr>
+          <p:cNvPr id="14" name="그림 13"/>
+          <p:cNvPicPr preferRelativeResize="0">
+            <a:picLocks/>
+          </p:cNvPicPr>
+          <p:nvPr/>
+        </p:nvPicPr>
+        <p:blipFill rotWithShape="1">
+          <a:blip r:embed="rId2"/>
+          <a:srcRect t="65198"/>
+          <a:stretch/>
+        </p:blipFill>
+        <p:spPr>
+          <a:xfrm rot="5400000">
+            <a:off x="1757918" y="3360228"/>
+            <a:ext cx="5007273" cy="147532"/>
+          </a:xfrm>
+          <a:prstGeom prst="rect">
+            <a:avLst/>
+          </a:prstGeom>
+        </p:spPr>
+      </p:pic>
+      <p:sp>
+        <p:nvSpPr>
+          <p:cNvPr id="15" name="TextBox 14"/>
+          <p:cNvSpPr txBox="1"/>
+          <p:nvPr/>
+        </p:nvSpPr>
+        <p:spPr>
+          <a:xfrm>
+            <a:off x="5087888" y="1268760"/>
+            <a:ext cx="5364596" cy="430887"/>
+          </a:xfrm>
+          <a:prstGeom prst="rect">
+            <a:avLst/>
+          </a:prstGeom>
+          <a:noFill/>
+        </p:spPr>
+        <p:txBody>
+          <a:bodyPr wrap="square" tIns="0" bIns="0" rtlCol="0">
+            <a:spAutoFit/>
+          </a:bodyPr>
+          <a:lstStyle/>
+          <a:p>
+            <a:r>
+              <a:rPr lang="ko-KR" altLang="en-US" sz="2800" spc="-150" smtClean="0">
+                <a:ln>
+                  <a:solidFill>
+                    <a:schemeClr val="accent1">
+                      <a:alpha val="0"/>
+                    </a:schemeClr>
+                  </a:solidFill>
+                </a:ln>
+                <a:solidFill>
+                  <a:schemeClr val="accent2"/>
+                </a:solidFill>
+                <a:latin typeface="Yoon 윤고딕 530_TT" panose="02090603020101020101" pitchFamily="18" charset="-127"/>
+                <a:ea typeface="Yoon 윤고딕 530_TT" panose="02090603020101020101" pitchFamily="18" charset="-127"/>
+              </a:rPr>
+              <a:t>파이썬 </a:t>
+            </a:r>
+            <a:r>
+              <a:rPr lang="ko-KR" altLang="en-US" sz="2800" spc="-150" dirty="0" smtClean="0">
+                <a:ln>
+                  <a:solidFill>
+                    <a:schemeClr val="accent1">
+                      <a:alpha val="0"/>
+                    </a:schemeClr>
+                  </a:solidFill>
+                </a:ln>
+                <a:solidFill>
+                  <a:schemeClr val="accent2"/>
+                </a:solidFill>
+                <a:latin typeface="Yoon 윤고딕 530_TT" panose="02090603020101020101" pitchFamily="18" charset="-127"/>
+                <a:ea typeface="Yoon 윤고딕 530_TT" panose="02090603020101020101" pitchFamily="18" charset="-127"/>
+              </a:rPr>
+              <a:t>설치 및 개발 환경 </a:t>
+            </a:r>
+            <a:r>
+              <a:rPr lang="ko-KR" altLang="en-US" sz="2800" spc="-150" smtClean="0">
+                <a:ln>
+                  <a:solidFill>
+                    <a:schemeClr val="accent1">
+                      <a:alpha val="0"/>
+                    </a:schemeClr>
+                  </a:solidFill>
+                </a:ln>
+                <a:solidFill>
+                  <a:schemeClr val="accent2"/>
+                </a:solidFill>
+                <a:latin typeface="Yoon 윤고딕 530_TT" panose="02090603020101020101" pitchFamily="18" charset="-127"/>
+                <a:ea typeface="Yoon 윤고딕 530_TT" panose="02090603020101020101" pitchFamily="18" charset="-127"/>
+              </a:rPr>
+              <a:t>설정</a:t>
+            </a:r>
+            <a:r>
+              <a:rPr lang="en-US" altLang="ko-KR" sz="2800" spc="-150" smtClean="0">
+                <a:ln>
+                  <a:solidFill>
+                    <a:schemeClr val="accent1">
+                      <a:alpha val="0"/>
+                    </a:schemeClr>
+                  </a:solidFill>
+                </a:ln>
+                <a:solidFill>
+                  <a:schemeClr val="accent2"/>
+                </a:solidFill>
+                <a:latin typeface="Yoon 윤고딕 530_TT" panose="02090603020101020101" pitchFamily="18" charset="-127"/>
+                <a:ea typeface="Yoon 윤고딕 530_TT" panose="02090603020101020101" pitchFamily="18" charset="-127"/>
+              </a:rPr>
+              <a:t>(4) </a:t>
+            </a:r>
+            <a:endParaRPr lang="ko-KR" altLang="en-US" sz="2800" spc="-150" dirty="0">
+              <a:ln>
+                <a:solidFill>
+                  <a:schemeClr val="accent1">
+                    <a:alpha val="0"/>
+                  </a:schemeClr>
+                </a:solidFill>
+              </a:ln>
+              <a:solidFill>
+                <a:schemeClr val="accent2"/>
+              </a:solidFill>
+              <a:latin typeface="Yoon 윤고딕 530_TT" panose="02090603020101020101" pitchFamily="18" charset="-127"/>
+              <a:ea typeface="Yoon 윤고딕 530_TT" panose="02090603020101020101" pitchFamily="18" charset="-127"/>
+            </a:endParaRPr>
+          </a:p>
+        </p:txBody>
+      </p:sp>
+      <p:sp>
+        <p:nvSpPr>
+          <p:cNvPr id="13" name="직사각형 12"/>
+          <p:cNvSpPr/>
+          <p:nvPr/>
+        </p:nvSpPr>
+        <p:spPr>
+          <a:xfrm>
+            <a:off x="1611225" y="2348881"/>
+            <a:ext cx="2059573" cy="1077683"/>
+          </a:xfrm>
+          <a:prstGeom prst="rect">
+            <a:avLst/>
+          </a:prstGeom>
+          <a:solidFill>
+            <a:schemeClr val="accent1"/>
+          </a:solidFill>
+          <a:ln>
+            <a:noFill/>
+          </a:ln>
+        </p:spPr>
+        <p:style>
+          <a:lnRef idx="2">
+            <a:schemeClr val="accent1">
+              <a:shade val="50000"/>
+            </a:schemeClr>
+          </a:lnRef>
+          <a:fillRef idx="1">
+            <a:schemeClr val="accent1"/>
+          </a:fillRef>
+          <a:effectRef idx="0">
+            <a:schemeClr val="accent1"/>
+          </a:effectRef>
+          <a:fontRef idx="minor">
+            <a:schemeClr val="lt1"/>
+          </a:fontRef>
+        </p:style>
+        <p:txBody>
+          <a:bodyPr rtlCol="0" anchor="ctr"/>
+          <a:lstStyle/>
+          <a:p>
+            <a:pPr algn="ctr"/>
+            <a:r>
+              <a:rPr lang="ko-KR" altLang="en-US" sz="3200" dirty="0" err="1" smtClean="0">
+                <a:latin typeface="Yoon 윤고딕 540_TT" panose="02090603020101020101" pitchFamily="18" charset="-127"/>
+                <a:ea typeface="Yoon 윤고딕 540_TT" panose="02090603020101020101" pitchFamily="18" charset="-127"/>
+              </a:rPr>
+              <a:t>인프런</a:t>
+            </a:r>
+            <a:endParaRPr lang="ko-KR" altLang="en-US" sz="3200" dirty="0">
+              <a:latin typeface="Yoon 윤고딕 540_TT" panose="02090603020101020101" pitchFamily="18" charset="-127"/>
+              <a:ea typeface="Yoon 윤고딕 540_TT" panose="02090603020101020101" pitchFamily="18" charset="-127"/>
+            </a:endParaRPr>
+          </a:p>
+        </p:txBody>
+      </p:sp>
+      <p:sp>
+        <p:nvSpPr>
+          <p:cNvPr id="8" name="TextBox 7"/>
+          <p:cNvSpPr txBox="1"/>
+          <p:nvPr/>
+        </p:nvSpPr>
+        <p:spPr>
+          <a:xfrm>
+            <a:off x="5015880" y="1834076"/>
+            <a:ext cx="5868652" cy="3647152"/>
+          </a:xfrm>
+          <a:prstGeom prst="rect">
+            <a:avLst/>
+          </a:prstGeom>
+          <a:noFill/>
+        </p:spPr>
+        <p:txBody>
+          <a:bodyPr wrap="square" rtlCol="0">
+            <a:spAutoFit/>
+          </a:bodyPr>
+          <a:lstStyle/>
+          <a:p>
+            <a:pPr>
+              <a:lnSpc>
+                <a:spcPct val="150000"/>
+              </a:lnSpc>
+            </a:pPr>
+            <a:r>
+              <a:rPr lang="ko-KR" altLang="en-US" smtClean="0">
+                <a:solidFill>
+                  <a:schemeClr val="accent3">
+                    <a:lumMod val="50000"/>
+                  </a:schemeClr>
+                </a:solidFill>
+                <a:latin typeface="SpoqaHanSans-Regular" panose="020B0500000000000000" pitchFamily="50" charset="-127"/>
+                <a:ea typeface="SpoqaHanSans-Regular" panose="020B0500000000000000" pitchFamily="50" charset="-127"/>
+              </a:rPr>
+              <a:t> </a:t>
+            </a:r>
+            <a:r>
+              <a:rPr lang="ko-KR" altLang="en-US" smtClean="0">
+                <a:solidFill>
+                  <a:schemeClr val="accent3">
+                    <a:lumMod val="50000"/>
+                  </a:schemeClr>
+                </a:solidFill>
+                <a:latin typeface="SpoqaHanSans-Regular" panose="020B0500000000000000" pitchFamily="50" charset="-127"/>
+                <a:ea typeface="SpoqaHanSans-Regular" panose="020B0500000000000000" pitchFamily="50" charset="-127"/>
+              </a:rPr>
+              <a:t>★</a:t>
+            </a:r>
+            <a:r>
+              <a:rPr lang="ko-KR" altLang="en-US" smtClean="0">
+                <a:solidFill>
+                  <a:schemeClr val="accent3">
+                    <a:lumMod val="50000"/>
+                  </a:schemeClr>
+                </a:solidFill>
+                <a:latin typeface="SpoqaHanSans-Regular" panose="020B0500000000000000" pitchFamily="50" charset="-127"/>
+                <a:ea typeface="SpoqaHanSans-Regular" panose="020B0500000000000000" pitchFamily="50" charset="-127"/>
+              </a:rPr>
+              <a:t>윈도우 환경에서 </a:t>
+            </a:r>
+            <a:r>
+              <a:rPr lang="ko-KR" altLang="en-US" smtClean="0">
+                <a:solidFill>
+                  <a:schemeClr val="accent3">
+                    <a:lumMod val="50000"/>
+                  </a:schemeClr>
+                </a:solidFill>
+                <a:latin typeface="SpoqaHanSans-Regular" panose="020B0500000000000000" pitchFamily="50" charset="-127"/>
+                <a:ea typeface="SpoqaHanSans-Regular" panose="020B0500000000000000" pitchFamily="50" charset="-127"/>
+              </a:rPr>
+              <a:t>가상환경 설정 후 </a:t>
+            </a:r>
+            <a:r>
+              <a:rPr lang="en-US" altLang="ko-KR" smtClean="0">
+                <a:solidFill>
+                  <a:schemeClr val="accent3">
+                    <a:lumMod val="50000"/>
+                  </a:schemeClr>
+                </a:solidFill>
+                <a:latin typeface="SpoqaHanSans-Regular" panose="020B0500000000000000" pitchFamily="50" charset="-127"/>
+                <a:ea typeface="SpoqaHanSans-Regular" panose="020B0500000000000000" pitchFamily="50" charset="-127"/>
+              </a:rPr>
+              <a:t>atom </a:t>
+            </a:r>
+            <a:r>
+              <a:rPr lang="ko-KR" altLang="en-US" smtClean="0">
+                <a:solidFill>
+                  <a:schemeClr val="accent3">
+                    <a:lumMod val="50000"/>
+                  </a:schemeClr>
+                </a:solidFill>
+                <a:latin typeface="SpoqaHanSans-Regular" panose="020B0500000000000000" pitchFamily="50" charset="-127"/>
+                <a:ea typeface="SpoqaHanSans-Regular" panose="020B0500000000000000" pitchFamily="50" charset="-127"/>
+              </a:rPr>
+              <a:t>실행 안될 경우</a:t>
+            </a:r>
+            <a:endParaRPr lang="en-US" altLang="ko-KR" smtClean="0">
+              <a:solidFill>
+                <a:schemeClr val="accent3">
+                  <a:lumMod val="50000"/>
+                </a:schemeClr>
+              </a:solidFill>
+              <a:latin typeface="SpoqaHanSans-Regular" panose="020B0500000000000000" pitchFamily="50" charset="-127"/>
+              <a:ea typeface="SpoqaHanSans-Regular" panose="020B0500000000000000" pitchFamily="50" charset="-127"/>
+            </a:endParaRPr>
+          </a:p>
+          <a:p>
+            <a:pPr>
+              <a:lnSpc>
+                <a:spcPct val="150000"/>
+              </a:lnSpc>
+            </a:pPr>
+            <a:endParaRPr lang="en-US" altLang="ko-KR">
+              <a:solidFill>
+                <a:schemeClr val="accent3">
+                  <a:lumMod val="50000"/>
+                </a:schemeClr>
+              </a:solidFill>
+              <a:latin typeface="Yoon 윤고딕 530_TT" panose="02090603020101020101" pitchFamily="18" charset="-127"/>
+              <a:ea typeface="Yoon 윤고딕 530_TT" panose="02090603020101020101" pitchFamily="18" charset="-127"/>
+            </a:endParaRPr>
+          </a:p>
+          <a:p>
+            <a:pPr>
+              <a:lnSpc>
+                <a:spcPct val="150000"/>
+              </a:lnSpc>
+            </a:pPr>
+            <a:r>
+              <a:rPr lang="ko-KR" altLang="en-US" smtClean="0">
+                <a:solidFill>
+                  <a:schemeClr val="accent3">
+                    <a:lumMod val="50000"/>
+                  </a:schemeClr>
+                </a:solidFill>
+                <a:latin typeface="Yoon 윤고딕 530_TT" panose="02090603020101020101" pitchFamily="18" charset="-127"/>
+                <a:ea typeface="Yoon 윤고딕 530_TT" panose="02090603020101020101" pitchFamily="18" charset="-127"/>
+              </a:rPr>
+              <a:t>아톰</a:t>
+            </a:r>
+            <a:r>
+              <a:rPr lang="en-US" altLang="ko-KR" dirty="0" smtClean="0">
+                <a:solidFill>
+                  <a:schemeClr val="accent3">
+                    <a:lumMod val="50000"/>
+                  </a:schemeClr>
+                </a:solidFill>
+                <a:latin typeface="Yoon 윤고딕 530_TT" panose="02090603020101020101" pitchFamily="18" charset="-127"/>
+                <a:ea typeface="Yoon 윤고딕 530_TT" panose="02090603020101020101" pitchFamily="18" charset="-127"/>
+              </a:rPr>
+              <a:t>(Atom</a:t>
+            </a:r>
+            <a:r>
+              <a:rPr lang="en-US" altLang="ko-KR" smtClean="0">
+                <a:solidFill>
+                  <a:schemeClr val="accent3">
+                    <a:lumMod val="50000"/>
+                  </a:schemeClr>
+                </a:solidFill>
+                <a:latin typeface="Yoon 윤고딕 530_TT" panose="02090603020101020101" pitchFamily="18" charset="-127"/>
+                <a:ea typeface="Yoon 윤고딕 530_TT" panose="02090603020101020101" pitchFamily="18" charset="-127"/>
+              </a:rPr>
+              <a:t>) </a:t>
+            </a:r>
+            <a:r>
+              <a:rPr lang="ko-KR" altLang="en-US" smtClean="0">
+                <a:solidFill>
+                  <a:schemeClr val="accent3">
+                    <a:lumMod val="50000"/>
+                  </a:schemeClr>
+                </a:solidFill>
+                <a:latin typeface="Yoon 윤고딕 530_TT" panose="02090603020101020101" pitchFamily="18" charset="-127"/>
+                <a:ea typeface="Yoon 윤고딕 530_TT" panose="02090603020101020101" pitchFamily="18" charset="-127"/>
+              </a:rPr>
+              <a:t>수동 설치 후 설정</a:t>
+            </a:r>
+            <a:endParaRPr lang="en-US" altLang="ko-KR" dirty="0" smtClean="0">
+              <a:solidFill>
+                <a:schemeClr val="accent3">
+                  <a:lumMod val="50000"/>
+                </a:schemeClr>
+              </a:solidFill>
+              <a:latin typeface="Yoon 윤고딕 530_TT" panose="02090603020101020101" pitchFamily="18" charset="-127"/>
+              <a:ea typeface="Yoon 윤고딕 530_TT" panose="02090603020101020101" pitchFamily="18" charset="-127"/>
+            </a:endParaRPr>
+          </a:p>
+          <a:p>
+            <a:pPr>
+              <a:lnSpc>
+                <a:spcPct val="150000"/>
+              </a:lnSpc>
+            </a:pPr>
+            <a:r>
+              <a:rPr lang="en-US" altLang="ko-KR">
+                <a:solidFill>
+                  <a:schemeClr val="accent3">
+                    <a:lumMod val="50000"/>
+                  </a:schemeClr>
+                </a:solidFill>
+                <a:latin typeface="Yoon 윤고딕 530_TT" panose="02090603020101020101" pitchFamily="18" charset="-127"/>
+                <a:ea typeface="Yoon 윤고딕 530_TT" panose="02090603020101020101" pitchFamily="18" charset="-127"/>
+                <a:hlinkClick r:id="rId3"/>
+              </a:rPr>
+              <a:t>https</a:t>
+            </a:r>
+            <a:r>
+              <a:rPr lang="en-US" altLang="ko-KR">
+                <a:solidFill>
+                  <a:schemeClr val="accent3">
+                    <a:lumMod val="50000"/>
+                  </a:schemeClr>
+                </a:solidFill>
+                <a:latin typeface="Yoon 윤고딕 530_TT" panose="02090603020101020101" pitchFamily="18" charset="-127"/>
+                <a:ea typeface="Yoon 윤고딕 530_TT" panose="02090603020101020101" pitchFamily="18" charset="-127"/>
+                <a:hlinkClick r:id="rId3"/>
+              </a:rPr>
+              <a:t>://</a:t>
+            </a:r>
+            <a:r>
+              <a:rPr lang="en-US" altLang="ko-KR" smtClean="0">
+                <a:solidFill>
+                  <a:schemeClr val="accent3">
+                    <a:lumMod val="50000"/>
+                  </a:schemeClr>
+                </a:solidFill>
+                <a:latin typeface="Yoon 윤고딕 530_TT" panose="02090603020101020101" pitchFamily="18" charset="-127"/>
+                <a:ea typeface="Yoon 윤고딕 530_TT" panose="02090603020101020101" pitchFamily="18" charset="-127"/>
+                <a:hlinkClick r:id="rId3"/>
+              </a:rPr>
+              <a:t>github.com/atom/atom/releases</a:t>
+            </a:r>
+            <a:r>
+              <a:rPr lang="en-US" altLang="ko-KR" smtClean="0">
+                <a:solidFill>
+                  <a:schemeClr val="accent3">
+                    <a:lumMod val="50000"/>
+                  </a:schemeClr>
+                </a:solidFill>
+                <a:latin typeface="Yoon 윤고딕 530_TT" panose="02090603020101020101" pitchFamily="18" charset="-127"/>
+                <a:ea typeface="Yoon 윤고딕 530_TT" panose="02090603020101020101" pitchFamily="18" charset="-127"/>
+              </a:rPr>
+              <a:t> </a:t>
+            </a:r>
+            <a:endParaRPr lang="en-US" altLang="ko-KR" dirty="0">
+              <a:solidFill>
+                <a:schemeClr val="accent3">
+                  <a:lumMod val="50000"/>
+                </a:schemeClr>
+              </a:solidFill>
+              <a:latin typeface="Yoon 윤고딕 530_TT" panose="02090603020101020101" pitchFamily="18" charset="-127"/>
+              <a:ea typeface="Yoon 윤고딕 530_TT" panose="02090603020101020101" pitchFamily="18" charset="-127"/>
+            </a:endParaRPr>
+          </a:p>
+          <a:p>
+            <a:pPr>
+              <a:lnSpc>
+                <a:spcPct val="150000"/>
+              </a:lnSpc>
+            </a:pPr>
+            <a:r>
+              <a:rPr lang="en-US" altLang="ko-KR" smtClean="0">
+                <a:solidFill>
+                  <a:schemeClr val="accent3">
+                    <a:lumMod val="50000"/>
+                  </a:schemeClr>
+                </a:solidFill>
+                <a:latin typeface="Yoon 윤고딕 530_TT" panose="02090603020101020101" pitchFamily="18" charset="-127"/>
+                <a:ea typeface="Yoon 윤고딕 530_TT" panose="02090603020101020101" pitchFamily="18" charset="-127"/>
+              </a:rPr>
+              <a:t/>
+            </a:r>
+            <a:br>
+              <a:rPr lang="en-US" altLang="ko-KR" smtClean="0">
+                <a:solidFill>
+                  <a:schemeClr val="accent3">
+                    <a:lumMod val="50000"/>
+                  </a:schemeClr>
+                </a:solidFill>
+                <a:latin typeface="Yoon 윤고딕 530_TT" panose="02090603020101020101" pitchFamily="18" charset="-127"/>
+                <a:ea typeface="Yoon 윤고딕 530_TT" panose="02090603020101020101" pitchFamily="18" charset="-127"/>
+              </a:rPr>
+            </a:br>
+            <a:r>
+              <a:rPr lang="ko-KR" altLang="en-US" smtClean="0">
+                <a:solidFill>
+                  <a:schemeClr val="accent3">
+                    <a:lumMod val="50000"/>
+                  </a:schemeClr>
+                </a:solidFill>
+                <a:latin typeface="Yoon 윤고딕 530_TT" panose="02090603020101020101" pitchFamily="18" charset="-127"/>
+                <a:ea typeface="Yoon 윤고딕 530_TT" panose="02090603020101020101" pitchFamily="18" charset="-127"/>
+              </a:rPr>
+              <a:t>아톰 </a:t>
+            </a:r>
+            <a:r>
+              <a:rPr lang="ko-KR" altLang="en-US" dirty="0" err="1" smtClean="0">
+                <a:solidFill>
+                  <a:schemeClr val="accent3">
+                    <a:lumMod val="50000"/>
+                  </a:schemeClr>
+                </a:solidFill>
+                <a:latin typeface="Yoon 윤고딕 530_TT" panose="02090603020101020101" pitchFamily="18" charset="-127"/>
+                <a:ea typeface="Yoon 윤고딕 530_TT" panose="02090603020101020101" pitchFamily="18" charset="-127"/>
+              </a:rPr>
+              <a:t>파이썬</a:t>
+            </a:r>
+            <a:r>
+              <a:rPr lang="ko-KR" altLang="en-US" dirty="0" smtClean="0">
+                <a:solidFill>
+                  <a:schemeClr val="accent3">
+                    <a:lumMod val="50000"/>
+                  </a:schemeClr>
+                </a:solidFill>
+                <a:latin typeface="Yoon 윤고딕 530_TT" panose="02090603020101020101" pitchFamily="18" charset="-127"/>
+                <a:ea typeface="Yoon 윤고딕 530_TT" panose="02090603020101020101" pitchFamily="18" charset="-127"/>
+              </a:rPr>
+              <a:t> 관련 패키지 설치</a:t>
+            </a:r>
+            <a:endParaRPr lang="en-US" altLang="ko-KR" dirty="0" smtClean="0">
+              <a:solidFill>
+                <a:schemeClr val="accent3">
+                  <a:lumMod val="50000"/>
+                </a:schemeClr>
+              </a:solidFill>
+              <a:latin typeface="Yoon 윤고딕 530_TT" panose="02090603020101020101" pitchFamily="18" charset="-127"/>
+              <a:ea typeface="Yoon 윤고딕 530_TT" panose="02090603020101020101" pitchFamily="18" charset="-127"/>
+            </a:endParaRPr>
+          </a:p>
+          <a:p>
+            <a:pPr marL="285750" indent="-285750">
+              <a:lnSpc>
+                <a:spcPct val="150000"/>
+              </a:lnSpc>
+              <a:buFont typeface="Arial" panose="020B0604020202020204" pitchFamily="34" charset="0"/>
+              <a:buChar char="•"/>
+            </a:pPr>
+            <a:r>
+              <a:rPr lang="en-US" altLang="ko-KR" sz="1400" dirty="0">
+                <a:solidFill>
+                  <a:schemeClr val="accent3">
+                    <a:lumMod val="50000"/>
+                  </a:schemeClr>
+                </a:solidFill>
+                <a:latin typeface="Yoon 윤고딕 530_TT" panose="02090603020101020101" pitchFamily="18" charset="-127"/>
+                <a:ea typeface="Yoon 윤고딕 530_TT" panose="02090603020101020101" pitchFamily="18" charset="-127"/>
+              </a:rPr>
+              <a:t>autocomplete-python</a:t>
+            </a:r>
+          </a:p>
+          <a:p>
+            <a:pPr marL="285750" indent="-285750">
+              <a:lnSpc>
+                <a:spcPct val="150000"/>
+              </a:lnSpc>
+              <a:buFont typeface="Arial" panose="020B0604020202020204" pitchFamily="34" charset="0"/>
+              <a:buChar char="•"/>
+            </a:pPr>
+            <a:r>
+              <a:rPr lang="en-US" altLang="ko-KR" sz="1400" dirty="0" smtClean="0">
+                <a:solidFill>
+                  <a:schemeClr val="accent3">
+                    <a:lumMod val="50000"/>
+                  </a:schemeClr>
+                </a:solidFill>
+                <a:latin typeface="Yoon 윤고딕 530_TT" panose="02090603020101020101" pitchFamily="18" charset="-127"/>
+                <a:ea typeface="Yoon 윤고딕 530_TT" panose="02090603020101020101" pitchFamily="18" charset="-127"/>
+              </a:rPr>
+              <a:t>Script</a:t>
+            </a:r>
+          </a:p>
+          <a:p>
+            <a:pPr>
+              <a:lnSpc>
+                <a:spcPct val="150000"/>
+              </a:lnSpc>
+            </a:pPr>
+            <a:endParaRPr lang="en-US" altLang="ko-KR" dirty="0" smtClean="0">
+              <a:solidFill>
+                <a:schemeClr val="accent3">
+                  <a:lumMod val="50000"/>
+                </a:schemeClr>
+              </a:solidFill>
+              <a:latin typeface="Yoon 윤고딕 530_TT" panose="02090603020101020101" pitchFamily="18" charset="-127"/>
+              <a:ea typeface="Yoon 윤고딕 530_TT" panose="02090603020101020101" pitchFamily="18" charset="-127"/>
+            </a:endParaRPr>
+          </a:p>
+        </p:txBody>
+      </p:sp>
+      <p:sp>
+        <p:nvSpPr>
+          <p:cNvPr id="9" name="직사각형 8"/>
+          <p:cNvSpPr/>
+          <p:nvPr/>
+        </p:nvSpPr>
+        <p:spPr>
+          <a:xfrm>
+            <a:off x="11022294" y="0"/>
+            <a:ext cx="1166428" cy="260648"/>
+          </a:xfrm>
+          <a:prstGeom prst="rect">
+            <a:avLst/>
+          </a:prstGeom>
+        </p:spPr>
+        <p:style>
+          <a:lnRef idx="1">
+            <a:schemeClr val="accent6"/>
+          </a:lnRef>
+          <a:fillRef idx="3">
+            <a:schemeClr val="accent6"/>
+          </a:fillRef>
+          <a:effectRef idx="2">
+            <a:schemeClr val="accent6"/>
+          </a:effectRef>
+          <a:fontRef idx="minor">
+            <a:schemeClr val="lt1"/>
+          </a:fontRef>
+        </p:style>
+        <p:txBody>
+          <a:bodyPr rtlCol="0" anchor="ctr"/>
+          <a:lstStyle/>
+          <a:p>
+            <a:pPr algn="ctr"/>
+            <a:r>
+              <a:rPr lang="ko-KR" altLang="en-US" sz="1000" dirty="0" smtClean="0"/>
+              <a:t>동영상 강의</a:t>
+            </a:r>
+            <a:endParaRPr lang="ko-KR" altLang="en-US" sz="1000" dirty="0"/>
+          </a:p>
+        </p:txBody>
+      </p:sp>
+    </p:spTree>
+    <p:extLst>
+      <p:ext uri="{BB962C8B-B14F-4D97-AF65-F5344CB8AC3E}">
+        <p14:creationId xmlns:p14="http://schemas.microsoft.com/office/powerpoint/2010/main" val="2992601290"/>
+      </p:ext>
+    </p:extLst>
+  </p:cSld>
+  <p:clrMapOvr>
+    <a:masterClrMapping/>
+  </p:clrMapOvr>
+  <p:timing>
+    <p:tnLst>
+      <p:par>
+        <p:cTn id="1" dur="indefinite" restart="never" nodeType="tmRoot"/>
+      </p:par>
+    </p:tnLst>
+  </p:timing>
+</p:sld>
+</file>
+
+<file path=ppt/slides/slide18.xml><?xml version="1.0" encoding="utf-8"?>
+<p:sld xmlns:a="http://schemas.openxmlformats.org/drawingml/2006/main" xmlns:r="http://schemas.openxmlformats.org/officeDocument/2006/relationships" xmlns:p="http://schemas.openxmlformats.org/presentationml/2006/main">
+  <p:cSld>
+    <p:spTree>
+      <p:nvGrpSpPr>
+        <p:cNvPr id="1" name=""/>
+        <p:cNvGrpSpPr/>
+        <p:nvPr/>
+      </p:nvGrpSpPr>
+      <p:grpSpPr>
+        <a:xfrm>
+          <a:off x="0" y="0"/>
+          <a:ext cx="0" cy="0"/>
+          <a:chOff x="0" y="0"/>
+          <a:chExt cx="0" cy="0"/>
+        </a:xfrm>
+      </p:grpSpPr>
+      <p:sp>
+        <p:nvSpPr>
+          <p:cNvPr id="11" name="TextBox 10"/>
+          <p:cNvSpPr txBox="1"/>
+          <p:nvPr/>
+        </p:nvSpPr>
+        <p:spPr>
+          <a:xfrm>
+            <a:off x="191344" y="3648009"/>
+            <a:ext cx="3525518" cy="307777"/>
+          </a:xfrm>
+          <a:prstGeom prst="rect">
+            <a:avLst/>
+          </a:prstGeom>
+          <a:noFill/>
+        </p:spPr>
+        <p:txBody>
+          <a:bodyPr wrap="square" tIns="0" bIns="0" rtlCol="0">
+            <a:spAutoFit/>
+          </a:bodyPr>
+          <a:lstStyle/>
+          <a:p>
+            <a:pPr algn="r"/>
+            <a:r>
+              <a:rPr lang="ko-KR" altLang="en-US" sz="2000" spc="-300" dirty="0" err="1" smtClean="0">
+                <a:ln>
+                  <a:solidFill>
+                    <a:schemeClr val="accent1">
+                      <a:alpha val="0"/>
+                    </a:schemeClr>
+                  </a:solidFill>
+                </a:ln>
+                <a:solidFill>
+                  <a:schemeClr val="bg2">
+                    <a:lumMod val="50000"/>
+                  </a:schemeClr>
+                </a:solidFill>
+                <a:latin typeface="Yoon 윤고딕 530_TT" panose="02090603020101020101" pitchFamily="18" charset="-127"/>
+                <a:ea typeface="Yoon 윤고딕 530_TT" panose="02090603020101020101" pitchFamily="18" charset="-127"/>
+              </a:rPr>
+              <a:t>파이썬을</a:t>
+            </a:r>
+            <a:r>
+              <a:rPr lang="ko-KR" altLang="en-US" sz="2000" spc="-300" dirty="0" smtClean="0">
+                <a:ln>
+                  <a:solidFill>
+                    <a:schemeClr val="accent1">
+                      <a:alpha val="0"/>
+                    </a:schemeClr>
+                  </a:solidFill>
+                </a:ln>
+                <a:solidFill>
+                  <a:schemeClr val="bg2">
+                    <a:lumMod val="50000"/>
+                  </a:schemeClr>
+                </a:solidFill>
+                <a:latin typeface="Yoon 윤고딕 530_TT" panose="02090603020101020101" pitchFamily="18" charset="-127"/>
+                <a:ea typeface="Yoon 윤고딕 530_TT" panose="02090603020101020101" pitchFamily="18" charset="-127"/>
+              </a:rPr>
+              <a:t> 활용한 웹 데이터  수집하기</a:t>
+            </a:r>
+            <a:endParaRPr lang="ko-KR" altLang="en-US" sz="2000" spc="-300" dirty="0">
+              <a:ln>
+                <a:solidFill>
+                  <a:schemeClr val="accent1">
+                    <a:alpha val="0"/>
+                  </a:schemeClr>
+                </a:solidFill>
+              </a:ln>
+              <a:solidFill>
+                <a:schemeClr val="bg2">
+                  <a:lumMod val="50000"/>
+                </a:schemeClr>
+              </a:solidFill>
+              <a:latin typeface="Yoon 윤고딕 530_TT" panose="02090603020101020101" pitchFamily="18" charset="-127"/>
+              <a:ea typeface="Yoon 윤고딕 530_TT" panose="02090603020101020101" pitchFamily="18" charset="-127"/>
+            </a:endParaRPr>
+          </a:p>
+        </p:txBody>
+      </p:sp>
+      <p:pic>
+        <p:nvPicPr>
+          <p:cNvPr id="14" name="그림 13"/>
+          <p:cNvPicPr preferRelativeResize="0">
+            <a:picLocks/>
+          </p:cNvPicPr>
+          <p:nvPr/>
+        </p:nvPicPr>
+        <p:blipFill rotWithShape="1">
+          <a:blip r:embed="rId2"/>
+          <a:srcRect t="65198"/>
+          <a:stretch/>
+        </p:blipFill>
+        <p:spPr>
+          <a:xfrm rot="5400000">
+            <a:off x="1757918" y="3360228"/>
+            <a:ext cx="5007273" cy="147532"/>
+          </a:xfrm>
+          <a:prstGeom prst="rect">
+            <a:avLst/>
+          </a:prstGeom>
+        </p:spPr>
+      </p:pic>
+      <p:sp>
+        <p:nvSpPr>
+          <p:cNvPr id="15" name="TextBox 14"/>
+          <p:cNvSpPr txBox="1"/>
+          <p:nvPr/>
+        </p:nvSpPr>
+        <p:spPr>
+          <a:xfrm>
+            <a:off x="4871864" y="1664804"/>
+            <a:ext cx="3205016" cy="430887"/>
+          </a:xfrm>
+          <a:prstGeom prst="rect">
+            <a:avLst/>
+          </a:prstGeom>
+          <a:noFill/>
+        </p:spPr>
+        <p:txBody>
+          <a:bodyPr wrap="square" tIns="0" bIns="0" rtlCol="0">
+            <a:spAutoFit/>
+          </a:bodyPr>
+          <a:lstStyle/>
+          <a:p>
+            <a:r>
+              <a:rPr lang="ko-KR" altLang="en-US" sz="2800" spc="-300">
+                <a:ln>
+                  <a:solidFill>
+                    <a:schemeClr val="accent1">
+                      <a:alpha val="0"/>
+                    </a:schemeClr>
+                  </a:solidFill>
+                </a:ln>
+                <a:solidFill>
+                  <a:schemeClr val="accent2"/>
+                </a:solidFill>
+                <a:latin typeface="Yoon 윤고딕 530_TT" panose="02090603020101020101" pitchFamily="18" charset="-127"/>
+                <a:ea typeface="Yoon 윤고딕 530_TT" panose="02090603020101020101" pitchFamily="18" charset="-127"/>
+              </a:rPr>
+              <a:t>선행 학습 강의 추천</a:t>
+            </a:r>
+            <a:endParaRPr lang="ko-KR" altLang="en-US" sz="2800" spc="-300" dirty="0">
+              <a:ln>
+                <a:solidFill>
+                  <a:schemeClr val="accent1">
+                    <a:alpha val="0"/>
+                  </a:schemeClr>
+                </a:solidFill>
+              </a:ln>
+              <a:solidFill>
+                <a:schemeClr val="accent2"/>
+              </a:solidFill>
+              <a:latin typeface="Yoon 윤고딕 530_TT" panose="02090603020101020101" pitchFamily="18" charset="-127"/>
+              <a:ea typeface="Yoon 윤고딕 530_TT" panose="02090603020101020101" pitchFamily="18" charset="-127"/>
+            </a:endParaRPr>
+          </a:p>
+        </p:txBody>
+      </p:sp>
+      <p:sp>
+        <p:nvSpPr>
+          <p:cNvPr id="16" name="TextBox 15"/>
+          <p:cNvSpPr txBox="1"/>
+          <p:nvPr/>
+        </p:nvSpPr>
+        <p:spPr>
+          <a:xfrm>
+            <a:off x="4871864" y="2327310"/>
+            <a:ext cx="5256584" cy="369332"/>
+          </a:xfrm>
+          <a:prstGeom prst="rect">
+            <a:avLst/>
+          </a:prstGeom>
+          <a:noFill/>
+        </p:spPr>
+        <p:txBody>
+          <a:bodyPr wrap="square" tIns="0" bIns="0" rtlCol="0">
+            <a:spAutoFit/>
+          </a:bodyPr>
+          <a:lstStyle/>
+          <a:p>
+            <a:r>
+              <a:rPr lang="en-US" altLang="ko-KR" sz="2400" spc="-300" smtClean="0">
+                <a:ln>
+                  <a:solidFill>
+                    <a:schemeClr val="accent1">
+                      <a:alpha val="0"/>
+                    </a:schemeClr>
+                  </a:solidFill>
+                </a:ln>
+                <a:solidFill>
+                  <a:schemeClr val="accent2"/>
+                </a:solidFill>
+                <a:latin typeface="SpoqaHanSans-Regular" panose="020B0500000000000000" pitchFamily="50" charset="-127"/>
+                <a:ea typeface="SpoqaHanSans-Regular" panose="020B0500000000000000" pitchFamily="50" charset="-127"/>
+              </a:rPr>
+              <a:t>- </a:t>
+            </a:r>
+            <a:r>
+              <a:rPr lang="ko-KR" altLang="en-US" sz="2400" spc="-300" smtClean="0">
+                <a:ln>
+                  <a:solidFill>
+                    <a:schemeClr val="accent1">
+                      <a:alpha val="0"/>
+                    </a:schemeClr>
+                  </a:solidFill>
+                </a:ln>
+                <a:solidFill>
+                  <a:schemeClr val="accent2"/>
+                </a:solidFill>
+                <a:latin typeface="SpoqaHanSans-Regular" panose="020B0500000000000000" pitchFamily="50" charset="-127"/>
+                <a:ea typeface="SpoqaHanSans-Regular" panose="020B0500000000000000" pitchFamily="50" charset="-127"/>
+              </a:rPr>
+              <a:t>더욱 쉬운 학습 을 위한  연관  강의 추천</a:t>
+            </a:r>
+            <a:endParaRPr lang="ko-KR" altLang="en-US" sz="2400" spc="-300" dirty="0">
+              <a:ln>
+                <a:solidFill>
+                  <a:schemeClr val="accent1">
+                    <a:alpha val="0"/>
+                  </a:schemeClr>
+                </a:solidFill>
+              </a:ln>
+              <a:solidFill>
+                <a:schemeClr val="accent2"/>
+              </a:solidFill>
+              <a:latin typeface="SpoqaHanSans-Regular" panose="020B0500000000000000" pitchFamily="50" charset="-127"/>
+              <a:ea typeface="SpoqaHanSans-Regular" panose="020B0500000000000000" pitchFamily="50" charset="-127"/>
+            </a:endParaRPr>
+          </a:p>
+        </p:txBody>
+      </p:sp>
+      <p:sp>
+        <p:nvSpPr>
+          <p:cNvPr id="13" name="직사각형 12"/>
+          <p:cNvSpPr/>
+          <p:nvPr/>
+        </p:nvSpPr>
+        <p:spPr>
+          <a:xfrm>
+            <a:off x="1611225" y="2348881"/>
+            <a:ext cx="2059573" cy="1077683"/>
+          </a:xfrm>
+          <a:prstGeom prst="rect">
+            <a:avLst/>
+          </a:prstGeom>
+          <a:solidFill>
+            <a:schemeClr val="accent1"/>
+          </a:solidFill>
+          <a:ln>
+            <a:noFill/>
+          </a:ln>
+        </p:spPr>
+        <p:style>
+          <a:lnRef idx="2">
+            <a:schemeClr val="accent1">
+              <a:shade val="50000"/>
+            </a:schemeClr>
+          </a:lnRef>
+          <a:fillRef idx="1">
+            <a:schemeClr val="accent1"/>
+          </a:fillRef>
+          <a:effectRef idx="0">
+            <a:schemeClr val="accent1"/>
+          </a:effectRef>
+          <a:fontRef idx="minor">
+            <a:schemeClr val="lt1"/>
+          </a:fontRef>
+        </p:style>
+        <p:txBody>
+          <a:bodyPr rtlCol="0" anchor="ctr"/>
+          <a:lstStyle/>
+          <a:p>
+            <a:pPr algn="ctr"/>
+            <a:r>
+              <a:rPr lang="ko-KR" altLang="en-US" sz="3200" dirty="0" err="1" smtClean="0">
+                <a:latin typeface="Yoon 윤고딕 540_TT" panose="02090603020101020101" pitchFamily="18" charset="-127"/>
+                <a:ea typeface="Yoon 윤고딕 540_TT" panose="02090603020101020101" pitchFamily="18" charset="-127"/>
+              </a:rPr>
+              <a:t>인프런</a:t>
+            </a:r>
+            <a:endParaRPr lang="ko-KR" altLang="en-US" sz="3200" dirty="0">
+              <a:latin typeface="Yoon 윤고딕 540_TT" panose="02090603020101020101" pitchFamily="18" charset="-127"/>
+              <a:ea typeface="Yoon 윤고딕 540_TT" panose="02090603020101020101" pitchFamily="18" charset="-127"/>
+            </a:endParaRPr>
+          </a:p>
+        </p:txBody>
+      </p:sp>
+      <p:sp>
+        <p:nvSpPr>
+          <p:cNvPr id="3" name="TextBox 2"/>
+          <p:cNvSpPr txBox="1"/>
+          <p:nvPr/>
+        </p:nvSpPr>
+        <p:spPr>
+          <a:xfrm>
+            <a:off x="5087888" y="2934031"/>
+            <a:ext cx="6696744" cy="2585323"/>
+          </a:xfrm>
+          <a:prstGeom prst="rect">
+            <a:avLst/>
+          </a:prstGeom>
+          <a:noFill/>
+        </p:spPr>
+        <p:txBody>
+          <a:bodyPr wrap="square" rtlCol="0">
+            <a:spAutoFit/>
+          </a:bodyPr>
+          <a:lstStyle/>
+          <a:p>
+            <a:pPr>
+              <a:lnSpc>
+                <a:spcPct val="150000"/>
+              </a:lnSpc>
+            </a:pPr>
+            <a:r>
+              <a:rPr lang="en-US" altLang="ko-KR">
+                <a:solidFill>
+                  <a:schemeClr val="accent3">
+                    <a:lumMod val="50000"/>
+                  </a:schemeClr>
+                </a:solidFill>
+                <a:latin typeface="SpoqaHanSans-Regular" panose="020B0500000000000000" pitchFamily="50" charset="-127"/>
+                <a:ea typeface="SpoqaHanSans-Regular" panose="020B0500000000000000" pitchFamily="50" charset="-127"/>
+              </a:rPr>
+              <a:t>1. Python </a:t>
+            </a:r>
+            <a:r>
+              <a:rPr lang="en-US" altLang="ko-KR">
+                <a:solidFill>
+                  <a:schemeClr val="accent3">
+                    <a:lumMod val="50000"/>
+                  </a:schemeClr>
+                </a:solidFill>
+                <a:latin typeface="SpoqaHanSans-Regular" panose="020B0500000000000000" pitchFamily="50" charset="-127"/>
+                <a:ea typeface="SpoqaHanSans-Regular" panose="020B0500000000000000" pitchFamily="50" charset="-127"/>
+              </a:rPr>
+              <a:t>: </a:t>
+            </a:r>
+            <a:r>
+              <a:rPr lang="ko-KR" altLang="en-US" sz="1600" smtClean="0">
+                <a:solidFill>
+                  <a:srgbClr val="0070C0"/>
+                </a:solidFill>
+                <a:latin typeface="SpoqaHanSans-Regular" panose="020B0500000000000000" pitchFamily="50" charset="-127"/>
+                <a:ea typeface="SpoqaHanSans-Regular" panose="020B0500000000000000" pitchFamily="50" charset="-127"/>
+              </a:rPr>
+              <a:t>초절정 파이썬 강좌</a:t>
+            </a:r>
+            <a:r>
+              <a:rPr lang="en-US" altLang="ko-KR" sz="1600" smtClean="0">
+                <a:solidFill>
+                  <a:schemeClr val="accent6">
+                    <a:lumMod val="50000"/>
+                  </a:schemeClr>
+                </a:solidFill>
+                <a:latin typeface="SpoqaHanSans-Regular" panose="020B0500000000000000" pitchFamily="50" charset="-127"/>
+                <a:ea typeface="SpoqaHanSans-Regular" panose="020B0500000000000000" pitchFamily="50" charset="-127"/>
+              </a:rPr>
+              <a:t>(</a:t>
+            </a:r>
+            <a:r>
+              <a:rPr lang="ko-KR" altLang="en-US" sz="1600" smtClean="0">
+                <a:solidFill>
+                  <a:schemeClr val="accent6">
+                    <a:lumMod val="50000"/>
+                  </a:schemeClr>
+                </a:solidFill>
+                <a:latin typeface="SpoqaHanSans-Regular" panose="020B0500000000000000" pitchFamily="50" charset="-127"/>
+                <a:ea typeface="SpoqaHanSans-Regular" panose="020B0500000000000000" pitchFamily="50" charset="-127"/>
+              </a:rPr>
+              <a:t>인프런</a:t>
+            </a:r>
+            <a:r>
+              <a:rPr lang="en-US" altLang="ko-KR" sz="1600" smtClean="0">
+                <a:solidFill>
+                  <a:schemeClr val="accent6">
+                    <a:lumMod val="50000"/>
+                  </a:schemeClr>
+                </a:solidFill>
+                <a:latin typeface="SpoqaHanSans-Regular" panose="020B0500000000000000" pitchFamily="50" charset="-127"/>
+                <a:ea typeface="SpoqaHanSans-Regular" panose="020B0500000000000000" pitchFamily="50" charset="-127"/>
+              </a:rPr>
+              <a:t>(</a:t>
+            </a:r>
+            <a:r>
+              <a:rPr lang="ko-KR" altLang="en-US" sz="1600" smtClean="0">
+                <a:solidFill>
+                  <a:schemeClr val="accent6">
+                    <a:lumMod val="50000"/>
+                  </a:schemeClr>
+                </a:solidFill>
+                <a:latin typeface="SpoqaHanSans-Regular" panose="020B0500000000000000" pitchFamily="50" charset="-127"/>
+                <a:ea typeface="SpoqaHanSans-Regular" panose="020B0500000000000000" pitchFamily="50" charset="-127"/>
+              </a:rPr>
+              <a:t>생활코딩</a:t>
+            </a:r>
+            <a:r>
+              <a:rPr lang="en-US" altLang="ko-KR" sz="1600" smtClean="0">
+                <a:solidFill>
+                  <a:schemeClr val="accent6">
+                    <a:lumMod val="50000"/>
+                  </a:schemeClr>
+                </a:solidFill>
+                <a:latin typeface="SpoqaHanSans-Regular" panose="020B0500000000000000" pitchFamily="50" charset="-127"/>
+                <a:ea typeface="SpoqaHanSans-Regular" panose="020B0500000000000000" pitchFamily="50" charset="-127"/>
+              </a:rPr>
+              <a:t>), </a:t>
+            </a:r>
+            <a:r>
+              <a:rPr lang="ko-KR" altLang="en-US" sz="1600" smtClean="0">
+                <a:solidFill>
+                  <a:schemeClr val="accent6">
+                    <a:lumMod val="50000"/>
+                  </a:schemeClr>
+                </a:solidFill>
+                <a:latin typeface="SpoqaHanSans-Regular" panose="020B0500000000000000" pitchFamily="50" charset="-127"/>
+                <a:ea typeface="SpoqaHanSans-Regular" panose="020B0500000000000000" pitchFamily="50" charset="-127"/>
+              </a:rPr>
+              <a:t>무료</a:t>
+            </a:r>
+            <a:r>
+              <a:rPr lang="en-US" altLang="ko-KR" sz="1600" smtClean="0">
+                <a:solidFill>
+                  <a:schemeClr val="accent6">
+                    <a:lumMod val="50000"/>
+                  </a:schemeClr>
+                </a:solidFill>
+                <a:latin typeface="SpoqaHanSans-Regular" panose="020B0500000000000000" pitchFamily="50" charset="-127"/>
+                <a:ea typeface="SpoqaHanSans-Regular" panose="020B0500000000000000" pitchFamily="50" charset="-127"/>
+              </a:rPr>
+              <a:t>)</a:t>
+            </a:r>
+            <a:endParaRPr lang="en-US" altLang="ko-KR" sz="300">
+              <a:solidFill>
+                <a:schemeClr val="accent6">
+                  <a:lumMod val="50000"/>
+                </a:schemeClr>
+              </a:solidFill>
+              <a:latin typeface="SpoqaHanSans-Regular" panose="020B0500000000000000" pitchFamily="50" charset="-127"/>
+              <a:ea typeface="SpoqaHanSans-Regular" panose="020B0500000000000000" pitchFamily="50" charset="-127"/>
+            </a:endParaRPr>
+          </a:p>
+          <a:p>
+            <a:pPr>
+              <a:lnSpc>
+                <a:spcPct val="150000"/>
+              </a:lnSpc>
+            </a:pPr>
+            <a:r>
+              <a:rPr lang="en-US" altLang="ko-KR" smtClean="0">
+                <a:solidFill>
+                  <a:schemeClr val="accent3">
+                    <a:lumMod val="50000"/>
+                  </a:schemeClr>
+                </a:solidFill>
+                <a:latin typeface="SpoqaHanSans-Regular" panose="020B0500000000000000" pitchFamily="50" charset="-127"/>
+                <a:ea typeface="SpoqaHanSans-Regular" panose="020B0500000000000000" pitchFamily="50" charset="-127"/>
+              </a:rPr>
+              <a:t>2. CSS : </a:t>
+            </a:r>
+            <a:r>
+              <a:rPr lang="en-US" altLang="ko-KR" sz="1600" smtClean="0">
+                <a:solidFill>
+                  <a:srgbClr val="0070C0"/>
+                </a:solidFill>
+                <a:latin typeface="SpoqaHanSans-Regular" panose="020B0500000000000000" pitchFamily="50" charset="-127"/>
+                <a:ea typeface="SpoqaHanSans-Regular" panose="020B0500000000000000" pitchFamily="50" charset="-127"/>
+              </a:rPr>
+              <a:t>CSS </a:t>
+            </a:r>
+            <a:r>
+              <a:rPr lang="ko-KR" altLang="en-US" sz="1600" smtClean="0">
+                <a:solidFill>
+                  <a:srgbClr val="0070C0"/>
+                </a:solidFill>
+                <a:latin typeface="SpoqaHanSans-Regular" panose="020B0500000000000000" pitchFamily="50" charset="-127"/>
+                <a:ea typeface="SpoqaHanSans-Regular" panose="020B0500000000000000" pitchFamily="50" charset="-127"/>
+              </a:rPr>
+              <a:t>기본부터 활용까지</a:t>
+            </a:r>
+            <a:r>
+              <a:rPr lang="en-US" altLang="ko-KR" sz="1600" smtClean="0">
+                <a:solidFill>
+                  <a:schemeClr val="accent6">
+                    <a:lumMod val="50000"/>
+                  </a:schemeClr>
+                </a:solidFill>
+                <a:latin typeface="SpoqaHanSans-Regular" panose="020B0500000000000000" pitchFamily="50" charset="-127"/>
+                <a:ea typeface="SpoqaHanSans-Regular" panose="020B0500000000000000" pitchFamily="50" charset="-127"/>
+              </a:rPr>
+              <a:t>(</a:t>
+            </a:r>
+            <a:r>
+              <a:rPr lang="ko-KR" altLang="en-US" sz="1600" smtClean="0">
+                <a:solidFill>
+                  <a:schemeClr val="accent6">
+                    <a:lumMod val="50000"/>
+                  </a:schemeClr>
+                </a:solidFill>
+                <a:latin typeface="SpoqaHanSans-Regular" panose="020B0500000000000000" pitchFamily="50" charset="-127"/>
+                <a:ea typeface="SpoqaHanSans-Regular" panose="020B0500000000000000" pitchFamily="50" charset="-127"/>
+              </a:rPr>
+              <a:t>인프런</a:t>
+            </a:r>
+            <a:r>
+              <a:rPr lang="en-US" altLang="ko-KR" sz="1600" smtClean="0">
+                <a:solidFill>
+                  <a:schemeClr val="accent6">
+                    <a:lumMod val="50000"/>
+                  </a:schemeClr>
+                </a:solidFill>
+                <a:latin typeface="SpoqaHanSans-Regular" panose="020B0500000000000000" pitchFamily="50" charset="-127"/>
+                <a:ea typeface="SpoqaHanSans-Regular" panose="020B0500000000000000" pitchFamily="50" charset="-127"/>
+              </a:rPr>
+              <a:t>(</a:t>
+            </a:r>
+            <a:r>
+              <a:rPr lang="ko-KR" altLang="en-US" sz="1600" smtClean="0">
+                <a:solidFill>
+                  <a:schemeClr val="accent6">
+                    <a:lumMod val="50000"/>
+                  </a:schemeClr>
+                </a:solidFill>
+                <a:latin typeface="SpoqaHanSans-Regular" panose="020B0500000000000000" pitchFamily="50" charset="-127"/>
+                <a:ea typeface="SpoqaHanSans-Regular" panose="020B0500000000000000" pitchFamily="50" charset="-127"/>
+              </a:rPr>
+              <a:t>생활코딩</a:t>
+            </a:r>
+            <a:r>
+              <a:rPr lang="en-US" altLang="ko-KR" sz="1600" smtClean="0">
+                <a:solidFill>
+                  <a:schemeClr val="accent6">
+                    <a:lumMod val="50000"/>
+                  </a:schemeClr>
+                </a:solidFill>
+                <a:latin typeface="SpoqaHanSans-Regular" panose="020B0500000000000000" pitchFamily="50" charset="-127"/>
+                <a:ea typeface="SpoqaHanSans-Regular" panose="020B0500000000000000" pitchFamily="50" charset="-127"/>
+              </a:rPr>
+              <a:t>), </a:t>
+            </a:r>
+            <a:r>
+              <a:rPr lang="ko-KR" altLang="en-US" sz="1600">
+                <a:solidFill>
+                  <a:schemeClr val="accent6">
+                    <a:lumMod val="50000"/>
+                  </a:schemeClr>
+                </a:solidFill>
+                <a:latin typeface="SpoqaHanSans-Regular" panose="020B0500000000000000" pitchFamily="50" charset="-127"/>
+                <a:ea typeface="SpoqaHanSans-Regular" panose="020B0500000000000000" pitchFamily="50" charset="-127"/>
+              </a:rPr>
+              <a:t>무료</a:t>
+            </a:r>
+            <a:r>
+              <a:rPr lang="en-US" altLang="ko-KR" sz="1600" smtClean="0">
+                <a:solidFill>
+                  <a:schemeClr val="accent6">
+                    <a:lumMod val="50000"/>
+                  </a:schemeClr>
+                </a:solidFill>
+                <a:latin typeface="SpoqaHanSans-Regular" panose="020B0500000000000000" pitchFamily="50" charset="-127"/>
+                <a:ea typeface="SpoqaHanSans-Regular" panose="020B0500000000000000" pitchFamily="50" charset="-127"/>
+              </a:rPr>
+              <a:t>)</a:t>
+            </a:r>
+            <a:endParaRPr lang="en-US" altLang="ko-KR" sz="1600" dirty="0" smtClean="0">
+              <a:solidFill>
+                <a:schemeClr val="accent6">
+                  <a:lumMod val="50000"/>
+                </a:schemeClr>
+              </a:solidFill>
+              <a:latin typeface="SpoqaHanSans-Regular" panose="020B0500000000000000" pitchFamily="50" charset="-127"/>
+              <a:ea typeface="SpoqaHanSans-Regular" panose="020B0500000000000000" pitchFamily="50" charset="-127"/>
+            </a:endParaRPr>
+          </a:p>
+          <a:p>
+            <a:pPr>
+              <a:lnSpc>
+                <a:spcPct val="150000"/>
+              </a:lnSpc>
+            </a:pPr>
+            <a:r>
+              <a:rPr lang="en-US" altLang="ko-KR" smtClean="0">
+                <a:solidFill>
+                  <a:schemeClr val="accent3">
+                    <a:lumMod val="50000"/>
+                  </a:schemeClr>
+                </a:solidFill>
+                <a:latin typeface="SpoqaHanSans-Regular" panose="020B0500000000000000" pitchFamily="50" charset="-127"/>
+                <a:ea typeface="SpoqaHanSans-Regular" panose="020B0500000000000000" pitchFamily="50" charset="-127"/>
+              </a:rPr>
+              <a:t>3. HTML : </a:t>
+            </a:r>
+            <a:r>
+              <a:rPr lang="ko-KR" altLang="en-US" sz="1600" smtClean="0">
+                <a:solidFill>
+                  <a:srgbClr val="0070C0"/>
+                </a:solidFill>
+                <a:latin typeface="SpoqaHanSans-Regular" panose="020B0500000000000000" pitchFamily="50" charset="-127"/>
+                <a:ea typeface="SpoqaHanSans-Regular" panose="020B0500000000000000" pitchFamily="50" charset="-127"/>
+              </a:rPr>
+              <a:t>기본을 확실히</a:t>
+            </a:r>
+            <a:r>
+              <a:rPr lang="en-US" altLang="ko-KR" sz="1600" smtClean="0">
+                <a:solidFill>
+                  <a:srgbClr val="0070C0"/>
+                </a:solidFill>
+                <a:latin typeface="SpoqaHanSans-Regular" panose="020B0500000000000000" pitchFamily="50" charset="-127"/>
+                <a:ea typeface="SpoqaHanSans-Regular" panose="020B0500000000000000" pitchFamily="50" charset="-127"/>
+              </a:rPr>
+              <a:t>! HTML</a:t>
+            </a:r>
+            <a:r>
+              <a:rPr lang="ko-KR" altLang="en-US" sz="1600" smtClean="0">
+                <a:solidFill>
+                  <a:srgbClr val="0070C0"/>
+                </a:solidFill>
+                <a:latin typeface="SpoqaHanSans-Regular" panose="020B0500000000000000" pitchFamily="50" charset="-127"/>
+                <a:ea typeface="SpoqaHanSans-Regular" panose="020B0500000000000000" pitchFamily="50" charset="-127"/>
+              </a:rPr>
+              <a:t>의 모든 것</a:t>
+            </a:r>
+            <a:r>
+              <a:rPr lang="en-US" altLang="ko-KR" sz="1600">
+                <a:solidFill>
+                  <a:schemeClr val="accent6">
+                    <a:lumMod val="50000"/>
+                  </a:schemeClr>
+                </a:solidFill>
+                <a:latin typeface="SpoqaHanSans-Regular" panose="020B0500000000000000" pitchFamily="50" charset="-127"/>
+                <a:ea typeface="SpoqaHanSans-Regular" panose="020B0500000000000000" pitchFamily="50" charset="-127"/>
+              </a:rPr>
+              <a:t>(</a:t>
+            </a:r>
+            <a:r>
+              <a:rPr lang="ko-KR" altLang="en-US" sz="1600">
+                <a:solidFill>
+                  <a:schemeClr val="accent6">
+                    <a:lumMod val="50000"/>
+                  </a:schemeClr>
+                </a:solidFill>
+                <a:latin typeface="SpoqaHanSans-Regular" panose="020B0500000000000000" pitchFamily="50" charset="-127"/>
+                <a:ea typeface="SpoqaHanSans-Regular" panose="020B0500000000000000" pitchFamily="50" charset="-127"/>
+              </a:rPr>
+              <a:t>인프런</a:t>
+            </a:r>
+            <a:r>
+              <a:rPr lang="en-US" altLang="ko-KR" sz="1600">
+                <a:solidFill>
+                  <a:schemeClr val="accent6">
+                    <a:lumMod val="50000"/>
+                  </a:schemeClr>
+                </a:solidFill>
+                <a:latin typeface="SpoqaHanSans-Regular" panose="020B0500000000000000" pitchFamily="50" charset="-127"/>
+                <a:ea typeface="SpoqaHanSans-Regular" panose="020B0500000000000000" pitchFamily="50" charset="-127"/>
+              </a:rPr>
+              <a:t>(</a:t>
+            </a:r>
+            <a:r>
+              <a:rPr lang="ko-KR" altLang="en-US" sz="1600">
+                <a:solidFill>
+                  <a:schemeClr val="accent6">
+                    <a:lumMod val="50000"/>
+                  </a:schemeClr>
+                </a:solidFill>
+                <a:latin typeface="SpoqaHanSans-Regular" panose="020B0500000000000000" pitchFamily="50" charset="-127"/>
+                <a:ea typeface="SpoqaHanSans-Regular" panose="020B0500000000000000" pitchFamily="50" charset="-127"/>
+              </a:rPr>
+              <a:t>생활코딩</a:t>
+            </a:r>
+            <a:r>
+              <a:rPr lang="en-US" altLang="ko-KR" sz="1600">
+                <a:solidFill>
+                  <a:schemeClr val="accent6">
+                    <a:lumMod val="50000"/>
+                  </a:schemeClr>
+                </a:solidFill>
+                <a:latin typeface="SpoqaHanSans-Regular" panose="020B0500000000000000" pitchFamily="50" charset="-127"/>
+                <a:ea typeface="SpoqaHanSans-Regular" panose="020B0500000000000000" pitchFamily="50" charset="-127"/>
+              </a:rPr>
+              <a:t>), </a:t>
+            </a:r>
+            <a:r>
+              <a:rPr lang="ko-KR" altLang="en-US" sz="1600">
+                <a:solidFill>
+                  <a:schemeClr val="accent6">
+                    <a:lumMod val="50000"/>
+                  </a:schemeClr>
+                </a:solidFill>
+                <a:latin typeface="SpoqaHanSans-Regular" panose="020B0500000000000000" pitchFamily="50" charset="-127"/>
+                <a:ea typeface="SpoqaHanSans-Regular" panose="020B0500000000000000" pitchFamily="50" charset="-127"/>
+              </a:rPr>
+              <a:t>무료</a:t>
+            </a:r>
+            <a:r>
+              <a:rPr lang="en-US" altLang="ko-KR" sz="1600" smtClean="0">
+                <a:solidFill>
+                  <a:schemeClr val="accent6">
+                    <a:lumMod val="50000"/>
+                  </a:schemeClr>
+                </a:solidFill>
+                <a:latin typeface="SpoqaHanSans-Regular" panose="020B0500000000000000" pitchFamily="50" charset="-127"/>
+                <a:ea typeface="SpoqaHanSans-Regular" panose="020B0500000000000000" pitchFamily="50" charset="-127"/>
+              </a:rPr>
+              <a:t>)</a:t>
+            </a:r>
+            <a:endParaRPr lang="en-US" altLang="ko-KR" sz="1600" dirty="0" smtClean="0">
+              <a:solidFill>
+                <a:schemeClr val="accent6">
+                  <a:lumMod val="50000"/>
+                </a:schemeClr>
+              </a:solidFill>
+              <a:latin typeface="SpoqaHanSans-Regular" panose="020B0500000000000000" pitchFamily="50" charset="-127"/>
+              <a:ea typeface="SpoqaHanSans-Regular" panose="020B0500000000000000" pitchFamily="50" charset="-127"/>
+            </a:endParaRPr>
+          </a:p>
+          <a:p>
+            <a:pPr>
+              <a:lnSpc>
+                <a:spcPct val="150000"/>
+              </a:lnSpc>
+            </a:pPr>
+            <a:r>
+              <a:rPr lang="en-US" altLang="ko-KR" smtClean="0">
+                <a:solidFill>
+                  <a:schemeClr val="accent3">
+                    <a:lumMod val="50000"/>
+                  </a:schemeClr>
+                </a:solidFill>
+                <a:latin typeface="SpoqaHanSans-Regular" panose="020B0500000000000000" pitchFamily="50" charset="-127"/>
+                <a:ea typeface="SpoqaHanSans-Regular" panose="020B0500000000000000" pitchFamily="50" charset="-127"/>
+              </a:rPr>
+              <a:t>4. </a:t>
+            </a:r>
+            <a:r>
+              <a:rPr lang="ko-KR" altLang="en-US" smtClean="0">
+                <a:solidFill>
+                  <a:schemeClr val="accent3">
+                    <a:lumMod val="50000"/>
+                  </a:schemeClr>
+                </a:solidFill>
+                <a:latin typeface="SpoqaHanSans-Regular" panose="020B0500000000000000" pitchFamily="50" charset="-127"/>
+                <a:ea typeface="SpoqaHanSans-Regular" panose="020B0500000000000000" pitchFamily="50" charset="-127"/>
+              </a:rPr>
+              <a:t>기타 </a:t>
+            </a:r>
+            <a:r>
+              <a:rPr lang="en-US" altLang="ko-KR" smtClean="0">
+                <a:solidFill>
+                  <a:schemeClr val="accent3">
+                    <a:lumMod val="50000"/>
+                  </a:schemeClr>
+                </a:solidFill>
+                <a:latin typeface="SpoqaHanSans-Regular" panose="020B0500000000000000" pitchFamily="50" charset="-127"/>
+                <a:ea typeface="SpoqaHanSans-Regular" panose="020B0500000000000000" pitchFamily="50" charset="-127"/>
+              </a:rPr>
+              <a:t>Windows </a:t>
+            </a:r>
+            <a:r>
+              <a:rPr lang="ko-KR" altLang="en-US" smtClean="0">
+                <a:solidFill>
+                  <a:schemeClr val="accent3">
+                    <a:lumMod val="50000"/>
+                  </a:schemeClr>
+                </a:solidFill>
+                <a:latin typeface="SpoqaHanSans-Regular" panose="020B0500000000000000" pitchFamily="50" charset="-127"/>
+                <a:ea typeface="SpoqaHanSans-Regular" panose="020B0500000000000000" pitchFamily="50" charset="-127"/>
+              </a:rPr>
+              <a:t>및 </a:t>
+            </a:r>
+            <a:r>
+              <a:rPr lang="en-US" altLang="ko-KR" smtClean="0">
+                <a:solidFill>
+                  <a:schemeClr val="accent3">
+                    <a:lumMod val="50000"/>
+                  </a:schemeClr>
+                </a:solidFill>
+                <a:latin typeface="SpoqaHanSans-Regular" panose="020B0500000000000000" pitchFamily="50" charset="-127"/>
+                <a:ea typeface="SpoqaHanSans-Regular" panose="020B0500000000000000" pitchFamily="50" charset="-127"/>
+              </a:rPr>
+              <a:t>Mac </a:t>
+            </a:r>
+            <a:r>
+              <a:rPr lang="ko-KR" altLang="en-US" smtClean="0">
+                <a:solidFill>
+                  <a:schemeClr val="accent3">
+                    <a:lumMod val="50000"/>
+                  </a:schemeClr>
+                </a:solidFill>
+                <a:latin typeface="SpoqaHanSans-Regular" panose="020B0500000000000000" pitchFamily="50" charset="-127"/>
+                <a:ea typeface="SpoqaHanSans-Regular" panose="020B0500000000000000" pitchFamily="50" charset="-127"/>
+              </a:rPr>
+              <a:t>운영체제에 대한 이해</a:t>
+            </a:r>
+            <a:endParaRPr lang="en-US" altLang="ko-KR" sz="1600" dirty="0">
+              <a:solidFill>
+                <a:schemeClr val="accent3">
+                  <a:lumMod val="50000"/>
+                </a:schemeClr>
+              </a:solidFill>
+              <a:latin typeface="SpoqaHanSans-Regular" panose="020B0500000000000000" pitchFamily="50" charset="-127"/>
+              <a:ea typeface="SpoqaHanSans-Regular" panose="020B0500000000000000" pitchFamily="50" charset="-127"/>
+            </a:endParaRPr>
+          </a:p>
+          <a:p>
+            <a:pPr>
+              <a:lnSpc>
+                <a:spcPct val="150000"/>
+              </a:lnSpc>
+            </a:pPr>
+            <a:r>
+              <a:rPr lang="en-US" altLang="ko-KR" smtClean="0">
+                <a:solidFill>
+                  <a:schemeClr val="accent3">
+                    <a:lumMod val="50000"/>
+                  </a:schemeClr>
+                </a:solidFill>
+                <a:latin typeface="SpoqaHanSans-Regular" panose="020B0500000000000000" pitchFamily="50" charset="-127"/>
+                <a:ea typeface="SpoqaHanSans-Regular" panose="020B0500000000000000" pitchFamily="50" charset="-127"/>
+              </a:rPr>
+              <a:t>5</a:t>
+            </a:r>
+            <a:r>
+              <a:rPr lang="en-US" altLang="ko-KR" smtClean="0">
+                <a:solidFill>
+                  <a:schemeClr val="accent3">
+                    <a:lumMod val="50000"/>
+                  </a:schemeClr>
+                </a:solidFill>
+                <a:latin typeface="SpoqaHanSans-Regular" panose="020B0500000000000000" pitchFamily="50" charset="-127"/>
+                <a:ea typeface="SpoqaHanSans-Regular" panose="020B0500000000000000" pitchFamily="50" charset="-127"/>
+              </a:rPr>
+              <a:t>. </a:t>
+            </a:r>
+            <a:r>
+              <a:rPr lang="ko-KR" altLang="en-US" smtClean="0">
+                <a:solidFill>
+                  <a:schemeClr val="accent3">
+                    <a:lumMod val="50000"/>
+                  </a:schemeClr>
+                </a:solidFill>
+                <a:latin typeface="SpoqaHanSans-Regular" panose="020B0500000000000000" pitchFamily="50" charset="-127"/>
+                <a:ea typeface="SpoqaHanSans-Regular" panose="020B0500000000000000" pitchFamily="50" charset="-127"/>
+              </a:rPr>
+              <a:t>강사 </a:t>
+            </a:r>
+            <a:r>
+              <a:rPr lang="ko-KR" altLang="en-US" dirty="0" err="1" smtClean="0">
+                <a:solidFill>
+                  <a:schemeClr val="accent3">
+                    <a:lumMod val="50000"/>
+                  </a:schemeClr>
+                </a:solidFill>
+                <a:latin typeface="SpoqaHanSans-Regular" panose="020B0500000000000000" pitchFamily="50" charset="-127"/>
+                <a:ea typeface="SpoqaHanSans-Regular" panose="020B0500000000000000" pitchFamily="50" charset="-127"/>
+              </a:rPr>
+              <a:t>블로그</a:t>
+            </a:r>
+            <a:endParaRPr lang="en-US" altLang="ko-KR" dirty="0" smtClean="0">
+              <a:solidFill>
+                <a:schemeClr val="accent3">
+                  <a:lumMod val="50000"/>
+                </a:schemeClr>
+              </a:solidFill>
+              <a:latin typeface="SpoqaHanSans-Regular" panose="020B0500000000000000" pitchFamily="50" charset="-127"/>
+              <a:ea typeface="SpoqaHanSans-Regular" panose="020B0500000000000000" pitchFamily="50" charset="-127"/>
+            </a:endParaRPr>
+          </a:p>
+          <a:p>
+            <a:pPr>
+              <a:lnSpc>
+                <a:spcPct val="150000"/>
+              </a:lnSpc>
+            </a:pPr>
+            <a:r>
+              <a:rPr lang="en-US" altLang="ko-KR" dirty="0">
+                <a:solidFill>
+                  <a:schemeClr val="accent3">
+                    <a:lumMod val="50000"/>
+                  </a:schemeClr>
+                </a:solidFill>
+                <a:latin typeface="SpoqaHanSans-Regular" panose="020B0500000000000000" pitchFamily="50" charset="-127"/>
+                <a:ea typeface="SpoqaHanSans-Regular" panose="020B0500000000000000" pitchFamily="50" charset="-127"/>
+              </a:rPr>
+              <a:t> </a:t>
+            </a:r>
+            <a:r>
+              <a:rPr lang="en-US" altLang="ko-KR" dirty="0" smtClean="0">
+                <a:solidFill>
+                  <a:schemeClr val="accent3">
+                    <a:lumMod val="50000"/>
+                  </a:schemeClr>
+                </a:solidFill>
+                <a:latin typeface="SpoqaHanSans-Regular" panose="020B0500000000000000" pitchFamily="50" charset="-127"/>
+                <a:ea typeface="SpoqaHanSans-Regular" panose="020B0500000000000000" pitchFamily="50" charset="-127"/>
+              </a:rPr>
+              <a:t>     http://niceman.tistory.com</a:t>
+            </a:r>
+          </a:p>
+        </p:txBody>
+      </p:sp>
+      <p:sp>
+        <p:nvSpPr>
+          <p:cNvPr id="8" name="직사각형 7"/>
+          <p:cNvSpPr/>
+          <p:nvPr/>
+        </p:nvSpPr>
+        <p:spPr>
+          <a:xfrm>
+            <a:off x="11022294" y="0"/>
+            <a:ext cx="1166428" cy="260648"/>
+          </a:xfrm>
+          <a:prstGeom prst="rect">
+            <a:avLst/>
+          </a:prstGeom>
+        </p:spPr>
+        <p:style>
+          <a:lnRef idx="1">
+            <a:schemeClr val="accent6"/>
+          </a:lnRef>
+          <a:fillRef idx="3">
+            <a:schemeClr val="accent6"/>
+          </a:fillRef>
+          <a:effectRef idx="2">
+            <a:schemeClr val="accent6"/>
+          </a:effectRef>
+          <a:fontRef idx="minor">
+            <a:schemeClr val="lt1"/>
+          </a:fontRef>
+        </p:style>
+        <p:txBody>
+          <a:bodyPr rtlCol="0" anchor="ctr"/>
+          <a:lstStyle/>
+          <a:p>
+            <a:pPr algn="ctr"/>
+            <a:r>
+              <a:rPr lang="ko-KR" altLang="en-US" sz="1000" dirty="0" smtClean="0"/>
+              <a:t>동영상 강의</a:t>
+            </a:r>
+            <a:endParaRPr lang="ko-KR" altLang="en-US" sz="1000" dirty="0"/>
+          </a:p>
+        </p:txBody>
+      </p:sp>
+    </p:spTree>
+    <p:extLst>
+      <p:ext uri="{BB962C8B-B14F-4D97-AF65-F5344CB8AC3E}">
+        <p14:creationId xmlns:p14="http://schemas.microsoft.com/office/powerpoint/2010/main" val="125770748"/>
+      </p:ext>
+    </p:extLst>
+  </p:cSld>
+  <p:clrMapOvr>
+    <a:masterClrMapping/>
+  </p:clrMapOvr>
+  <p:timing>
+    <p:tnLst>
+      <p:par>
+        <p:cTn id="1" dur="indefinite" restart="never" nodeType="tmRoot"/>
+      </p:par>
+    </p:tnLst>
+  </p:timing>
+</p:sld>
+</file>
+
 <file path=ppt/slides/slide2.xml><?xml version="1.0" encoding="utf-8"?>
 <p:sld xmlns:a="http://schemas.openxmlformats.org/drawingml/2006/main" xmlns:r="http://schemas.openxmlformats.org/officeDocument/2006/relationships" xmlns:p="http://schemas.openxmlformats.org/presentationml/2006/main">
   <p:cSld>
